--- a/Stewart-final-presentation.pptx
+++ b/Stewart-final-presentation.pptx
@@ -4,8 +4,28 @@
   <p:sldMasterIdLst>
     <p:sldMasterId id="2147483648" r:id="rId1"/>
   </p:sldMasterIdLst>
+  <p:notesMasterIdLst>
+    <p:notesMasterId r:id="rId20"/>
+  </p:notesMasterIdLst>
   <p:sldIdLst>
     <p:sldId id="256" r:id="rId2"/>
+    <p:sldId id="257" r:id="rId3"/>
+    <p:sldId id="258" r:id="rId4"/>
+    <p:sldId id="259" r:id="rId5"/>
+    <p:sldId id="260" r:id="rId6"/>
+    <p:sldId id="261" r:id="rId7"/>
+    <p:sldId id="266" r:id="rId8"/>
+    <p:sldId id="265" r:id="rId9"/>
+    <p:sldId id="263" r:id="rId10"/>
+    <p:sldId id="264" r:id="rId11"/>
+    <p:sldId id="267" r:id="rId12"/>
+    <p:sldId id="268" r:id="rId13"/>
+    <p:sldId id="269" r:id="rId14"/>
+    <p:sldId id="270" r:id="rId15"/>
+    <p:sldId id="271" r:id="rId16"/>
+    <p:sldId id="272" r:id="rId17"/>
+    <p:sldId id="273" r:id="rId18"/>
+    <p:sldId id="274" r:id="rId19"/>
   </p:sldIdLst>
   <p:sldSz cx="12192000" cy="6858000"/>
   <p:notesSz cx="6858000" cy="9144000"/>
@@ -105,6 +125,543 @@
     </a:lvl9pPr>
   </p:defaultTextStyle>
 </p:presentation>
+</file>
+
+<file path=ppt/notesMasters/notesMaster1.xml><?xml version="1.0" encoding="utf-8"?>
+<p:notesMaster xmlns:a="http://schemas.openxmlformats.org/drawingml/2006/main" xmlns:r="http://schemas.openxmlformats.org/officeDocument/2006/relationships" xmlns:p="http://schemas.openxmlformats.org/presentationml/2006/main">
+  <p:cSld>
+    <p:bg>
+      <p:bgRef idx="1001">
+        <a:schemeClr val="bg1"/>
+      </p:bgRef>
+    </p:bg>
+    <p:spTree>
+      <p:nvGrpSpPr>
+        <p:cNvPr id="1" name=""/>
+        <p:cNvGrpSpPr/>
+        <p:nvPr/>
+      </p:nvGrpSpPr>
+      <p:grpSpPr>
+        <a:xfrm>
+          <a:off x="0" y="0"/>
+          <a:ext cx="0" cy="0"/>
+          <a:chOff x="0" y="0"/>
+          <a:chExt cx="0" cy="0"/>
+        </a:xfrm>
+      </p:grpSpPr>
+      <p:sp>
+        <p:nvSpPr>
+          <p:cNvPr id="2" name="Header Placeholder 1"/>
+          <p:cNvSpPr>
+            <a:spLocks noGrp="1"/>
+          </p:cNvSpPr>
+          <p:nvPr>
+            <p:ph type="hdr" sz="quarter"/>
+          </p:nvPr>
+        </p:nvSpPr>
+        <p:spPr>
+          <a:xfrm>
+            <a:off x="0" y="0"/>
+            <a:ext cx="2971800" cy="458788"/>
+          </a:xfrm>
+          <a:prstGeom prst="rect">
+            <a:avLst/>
+          </a:prstGeom>
+        </p:spPr>
+        <p:txBody>
+          <a:bodyPr vert="horz" lIns="91440" tIns="45720" rIns="91440" bIns="45720" rtlCol="0"/>
+          <a:lstStyle>
+            <a:lvl1pPr algn="l">
+              <a:defRPr sz="1200"/>
+            </a:lvl1pPr>
+          </a:lstStyle>
+          <a:p>
+            <a:endParaRPr lang="en-US"/>
+          </a:p>
+        </p:txBody>
+      </p:sp>
+      <p:sp>
+        <p:nvSpPr>
+          <p:cNvPr id="3" name="Date Placeholder 2"/>
+          <p:cNvSpPr>
+            <a:spLocks noGrp="1"/>
+          </p:cNvSpPr>
+          <p:nvPr>
+            <p:ph type="dt" idx="1"/>
+          </p:nvPr>
+        </p:nvSpPr>
+        <p:spPr>
+          <a:xfrm>
+            <a:off x="3884613" y="0"/>
+            <a:ext cx="2971800" cy="458788"/>
+          </a:xfrm>
+          <a:prstGeom prst="rect">
+            <a:avLst/>
+          </a:prstGeom>
+        </p:spPr>
+        <p:txBody>
+          <a:bodyPr vert="horz" lIns="91440" tIns="45720" rIns="91440" bIns="45720" rtlCol="0"/>
+          <a:lstStyle>
+            <a:lvl1pPr algn="r">
+              <a:defRPr sz="1200"/>
+            </a:lvl1pPr>
+          </a:lstStyle>
+          <a:p>
+            <a:fld id="{58AFF55A-54B6-5F4E-B59F-F8DF12D63AE6}" type="datetimeFigureOut">
+              <a:rPr lang="en-US" smtClean="0"/>
+              <a:t>4/29/25</a:t>
+            </a:fld>
+            <a:endParaRPr lang="en-US"/>
+          </a:p>
+        </p:txBody>
+      </p:sp>
+      <p:sp>
+        <p:nvSpPr>
+          <p:cNvPr id="4" name="Slide Image Placeholder 3"/>
+          <p:cNvSpPr>
+            <a:spLocks noGrp="1" noRot="1" noChangeAspect="1"/>
+          </p:cNvSpPr>
+          <p:nvPr>
+            <p:ph type="sldImg" idx="2"/>
+          </p:nvPr>
+        </p:nvSpPr>
+        <p:spPr>
+          <a:xfrm>
+            <a:off x="685800" y="1143000"/>
+            <a:ext cx="5486400" cy="3086100"/>
+          </a:xfrm>
+          <a:prstGeom prst="rect">
+            <a:avLst/>
+          </a:prstGeom>
+          <a:noFill/>
+          <a:ln w="12700">
+            <a:solidFill>
+              <a:prstClr val="black"/>
+            </a:solidFill>
+          </a:ln>
+        </p:spPr>
+        <p:txBody>
+          <a:bodyPr vert="horz" lIns="91440" tIns="45720" rIns="91440" bIns="45720" rtlCol="0" anchor="ctr"/>
+          <a:lstStyle/>
+          <a:p>
+            <a:endParaRPr lang="en-US"/>
+          </a:p>
+        </p:txBody>
+      </p:sp>
+      <p:sp>
+        <p:nvSpPr>
+          <p:cNvPr id="5" name="Notes Placeholder 4"/>
+          <p:cNvSpPr>
+            <a:spLocks noGrp="1"/>
+          </p:cNvSpPr>
+          <p:nvPr>
+            <p:ph type="body" sz="quarter" idx="3"/>
+          </p:nvPr>
+        </p:nvSpPr>
+        <p:spPr>
+          <a:xfrm>
+            <a:off x="685800" y="4400550"/>
+            <a:ext cx="5486400" cy="3600450"/>
+          </a:xfrm>
+          <a:prstGeom prst="rect">
+            <a:avLst/>
+          </a:prstGeom>
+        </p:spPr>
+        <p:txBody>
+          <a:bodyPr vert="horz" lIns="91440" tIns="45720" rIns="91440" bIns="45720" rtlCol="0"/>
+          <a:lstStyle/>
+          <a:p>
+            <a:pPr lvl="0"/>
+            <a:r>
+              <a:rPr lang="en-US"/>
+              <a:t>Click to edit Master text styles</a:t>
+            </a:r>
+          </a:p>
+          <a:p>
+            <a:pPr lvl="1"/>
+            <a:r>
+              <a:rPr lang="en-US"/>
+              <a:t>Second level</a:t>
+            </a:r>
+          </a:p>
+          <a:p>
+            <a:pPr lvl="2"/>
+            <a:r>
+              <a:rPr lang="en-US"/>
+              <a:t>Third level</a:t>
+            </a:r>
+          </a:p>
+          <a:p>
+            <a:pPr lvl="3"/>
+            <a:r>
+              <a:rPr lang="en-US"/>
+              <a:t>Fourth level</a:t>
+            </a:r>
+          </a:p>
+          <a:p>
+            <a:pPr lvl="4"/>
+            <a:r>
+              <a:rPr lang="en-US"/>
+              <a:t>Fifth level</a:t>
+            </a:r>
+          </a:p>
+        </p:txBody>
+      </p:sp>
+      <p:sp>
+        <p:nvSpPr>
+          <p:cNvPr id="6" name="Footer Placeholder 5"/>
+          <p:cNvSpPr>
+            <a:spLocks noGrp="1"/>
+          </p:cNvSpPr>
+          <p:nvPr>
+            <p:ph type="ftr" sz="quarter" idx="4"/>
+          </p:nvPr>
+        </p:nvSpPr>
+        <p:spPr>
+          <a:xfrm>
+            <a:off x="0" y="8685213"/>
+            <a:ext cx="2971800" cy="458787"/>
+          </a:xfrm>
+          <a:prstGeom prst="rect">
+            <a:avLst/>
+          </a:prstGeom>
+        </p:spPr>
+        <p:txBody>
+          <a:bodyPr vert="horz" lIns="91440" tIns="45720" rIns="91440" bIns="45720" rtlCol="0" anchor="b"/>
+          <a:lstStyle>
+            <a:lvl1pPr algn="l">
+              <a:defRPr sz="1200"/>
+            </a:lvl1pPr>
+          </a:lstStyle>
+          <a:p>
+            <a:endParaRPr lang="en-US"/>
+          </a:p>
+        </p:txBody>
+      </p:sp>
+      <p:sp>
+        <p:nvSpPr>
+          <p:cNvPr id="7" name="Slide Number Placeholder 6"/>
+          <p:cNvSpPr>
+            <a:spLocks noGrp="1"/>
+          </p:cNvSpPr>
+          <p:nvPr>
+            <p:ph type="sldNum" sz="quarter" idx="5"/>
+          </p:nvPr>
+        </p:nvSpPr>
+        <p:spPr>
+          <a:xfrm>
+            <a:off x="3884613" y="8685213"/>
+            <a:ext cx="2971800" cy="458787"/>
+          </a:xfrm>
+          <a:prstGeom prst="rect">
+            <a:avLst/>
+          </a:prstGeom>
+        </p:spPr>
+        <p:txBody>
+          <a:bodyPr vert="horz" lIns="91440" tIns="45720" rIns="91440" bIns="45720" rtlCol="0" anchor="b"/>
+          <a:lstStyle>
+            <a:lvl1pPr algn="r">
+              <a:defRPr sz="1200"/>
+            </a:lvl1pPr>
+          </a:lstStyle>
+          <a:p>
+            <a:fld id="{9FAD4BAF-D687-D245-88C1-05329265955F}" type="slidenum">
+              <a:rPr lang="en-US" smtClean="0"/>
+              <a:t>‹#›</a:t>
+            </a:fld>
+            <a:endParaRPr lang="en-US"/>
+          </a:p>
+        </p:txBody>
+      </p:sp>
+    </p:spTree>
+    <p:extLst>
+      <p:ext uri="{BB962C8B-B14F-4D97-AF65-F5344CB8AC3E}">
+        <p14:creationId xmlns:p14="http://schemas.microsoft.com/office/powerpoint/2010/main" val="4186244674"/>
+      </p:ext>
+    </p:extLst>
+  </p:cSld>
+  <p:clrMap bg1="lt1" tx1="dk1" bg2="lt2" tx2="dk2" accent1="accent1" accent2="accent2" accent3="accent3" accent4="accent4" accent5="accent5" accent6="accent6" hlink="hlink" folHlink="folHlink"/>
+  <p:notesStyle>
+    <a:lvl1pPr marL="0" algn="l" defTabSz="914400" rtl="0" eaLnBrk="1" latinLnBrk="0" hangingPunct="1">
+      <a:defRPr sz="1200" kern="1200">
+        <a:solidFill>
+          <a:schemeClr val="tx1"/>
+        </a:solidFill>
+        <a:latin typeface="+mn-lt"/>
+        <a:ea typeface="+mn-ea"/>
+        <a:cs typeface="+mn-cs"/>
+      </a:defRPr>
+    </a:lvl1pPr>
+    <a:lvl2pPr marL="457200" algn="l" defTabSz="914400" rtl="0" eaLnBrk="1" latinLnBrk="0" hangingPunct="1">
+      <a:defRPr sz="1200" kern="1200">
+        <a:solidFill>
+          <a:schemeClr val="tx1"/>
+        </a:solidFill>
+        <a:latin typeface="+mn-lt"/>
+        <a:ea typeface="+mn-ea"/>
+        <a:cs typeface="+mn-cs"/>
+      </a:defRPr>
+    </a:lvl2pPr>
+    <a:lvl3pPr marL="914400" algn="l" defTabSz="914400" rtl="0" eaLnBrk="1" latinLnBrk="0" hangingPunct="1">
+      <a:defRPr sz="1200" kern="1200">
+        <a:solidFill>
+          <a:schemeClr val="tx1"/>
+        </a:solidFill>
+        <a:latin typeface="+mn-lt"/>
+        <a:ea typeface="+mn-ea"/>
+        <a:cs typeface="+mn-cs"/>
+      </a:defRPr>
+    </a:lvl3pPr>
+    <a:lvl4pPr marL="1371600" algn="l" defTabSz="914400" rtl="0" eaLnBrk="1" latinLnBrk="0" hangingPunct="1">
+      <a:defRPr sz="1200" kern="1200">
+        <a:solidFill>
+          <a:schemeClr val="tx1"/>
+        </a:solidFill>
+        <a:latin typeface="+mn-lt"/>
+        <a:ea typeface="+mn-ea"/>
+        <a:cs typeface="+mn-cs"/>
+      </a:defRPr>
+    </a:lvl4pPr>
+    <a:lvl5pPr marL="1828800" algn="l" defTabSz="914400" rtl="0" eaLnBrk="1" latinLnBrk="0" hangingPunct="1">
+      <a:defRPr sz="1200" kern="1200">
+        <a:solidFill>
+          <a:schemeClr val="tx1"/>
+        </a:solidFill>
+        <a:latin typeface="+mn-lt"/>
+        <a:ea typeface="+mn-ea"/>
+        <a:cs typeface="+mn-cs"/>
+      </a:defRPr>
+    </a:lvl5pPr>
+    <a:lvl6pPr marL="2286000" algn="l" defTabSz="914400" rtl="0" eaLnBrk="1" latinLnBrk="0" hangingPunct="1">
+      <a:defRPr sz="1200" kern="1200">
+        <a:solidFill>
+          <a:schemeClr val="tx1"/>
+        </a:solidFill>
+        <a:latin typeface="+mn-lt"/>
+        <a:ea typeface="+mn-ea"/>
+        <a:cs typeface="+mn-cs"/>
+      </a:defRPr>
+    </a:lvl6pPr>
+    <a:lvl7pPr marL="2743200" algn="l" defTabSz="914400" rtl="0" eaLnBrk="1" latinLnBrk="0" hangingPunct="1">
+      <a:defRPr sz="1200" kern="1200">
+        <a:solidFill>
+          <a:schemeClr val="tx1"/>
+        </a:solidFill>
+        <a:latin typeface="+mn-lt"/>
+        <a:ea typeface="+mn-ea"/>
+        <a:cs typeface="+mn-cs"/>
+      </a:defRPr>
+    </a:lvl7pPr>
+    <a:lvl8pPr marL="3200400" algn="l" defTabSz="914400" rtl="0" eaLnBrk="1" latinLnBrk="0" hangingPunct="1">
+      <a:defRPr sz="1200" kern="1200">
+        <a:solidFill>
+          <a:schemeClr val="tx1"/>
+        </a:solidFill>
+        <a:latin typeface="+mn-lt"/>
+        <a:ea typeface="+mn-ea"/>
+        <a:cs typeface="+mn-cs"/>
+      </a:defRPr>
+    </a:lvl8pPr>
+    <a:lvl9pPr marL="3657600" algn="l" defTabSz="914400" rtl="0" eaLnBrk="1" latinLnBrk="0" hangingPunct="1">
+      <a:defRPr sz="1200" kern="1200">
+        <a:solidFill>
+          <a:schemeClr val="tx1"/>
+        </a:solidFill>
+        <a:latin typeface="+mn-lt"/>
+        <a:ea typeface="+mn-ea"/>
+        <a:cs typeface="+mn-cs"/>
+      </a:defRPr>
+    </a:lvl9pPr>
+  </p:notesStyle>
+</p:notesMaster>
+</file>
+
+<file path=ppt/notesSlides/notesSlide1.xml><?xml version="1.0" encoding="utf-8"?>
+<p:notes xmlns:a="http://schemas.openxmlformats.org/drawingml/2006/main" xmlns:r="http://schemas.openxmlformats.org/officeDocument/2006/relationships" xmlns:p="http://schemas.openxmlformats.org/presentationml/2006/main">
+  <p:cSld>
+    <p:spTree>
+      <p:nvGrpSpPr>
+        <p:cNvPr id="1" name=""/>
+        <p:cNvGrpSpPr/>
+        <p:nvPr/>
+      </p:nvGrpSpPr>
+      <p:grpSpPr>
+        <a:xfrm>
+          <a:off x="0" y="0"/>
+          <a:ext cx="0" cy="0"/>
+          <a:chOff x="0" y="0"/>
+          <a:chExt cx="0" cy="0"/>
+        </a:xfrm>
+      </p:grpSpPr>
+      <p:sp>
+        <p:nvSpPr>
+          <p:cNvPr id="2" name="Slide Image Placeholder 1"/>
+          <p:cNvSpPr>
+            <a:spLocks noGrp="1" noRot="1" noChangeAspect="1"/>
+          </p:cNvSpPr>
+          <p:nvPr>
+            <p:ph type="sldImg"/>
+          </p:nvPr>
+        </p:nvSpPr>
+        <p:spPr/>
+      </p:sp>
+      <p:sp>
+        <p:nvSpPr>
+          <p:cNvPr id="3" name="Notes Placeholder 2"/>
+          <p:cNvSpPr>
+            <a:spLocks noGrp="1"/>
+          </p:cNvSpPr>
+          <p:nvPr>
+            <p:ph type="body" idx="1"/>
+          </p:nvPr>
+        </p:nvSpPr>
+        <p:spPr/>
+        <p:txBody>
+          <a:bodyPr/>
+          <a:lstStyle/>
+          <a:p>
+            <a:r>
+              <a:rPr lang="en-US" dirty="0"/>
+              <a:t>Note that the rate of converted spend is approximately equal, across the two groups. </a:t>
+            </a:r>
+          </a:p>
+        </p:txBody>
+      </p:sp>
+      <p:sp>
+        <p:nvSpPr>
+          <p:cNvPr id="4" name="Slide Number Placeholder 3"/>
+          <p:cNvSpPr>
+            <a:spLocks noGrp="1"/>
+          </p:cNvSpPr>
+          <p:nvPr>
+            <p:ph type="sldNum" sz="quarter" idx="5"/>
+          </p:nvPr>
+        </p:nvSpPr>
+        <p:spPr/>
+        <p:txBody>
+          <a:bodyPr/>
+          <a:lstStyle/>
+          <a:p>
+            <a:fld id="{9FAD4BAF-D687-D245-88C1-05329265955F}" type="slidenum">
+              <a:rPr lang="en-US" smtClean="0"/>
+              <a:t>5</a:t>
+            </a:fld>
+            <a:endParaRPr lang="en-US"/>
+          </a:p>
+        </p:txBody>
+      </p:sp>
+    </p:spTree>
+    <p:extLst>
+      <p:ext uri="{BB962C8B-B14F-4D97-AF65-F5344CB8AC3E}">
+        <p14:creationId xmlns:p14="http://schemas.microsoft.com/office/powerpoint/2010/main" val="3538590255"/>
+      </p:ext>
+    </p:extLst>
+  </p:cSld>
+  <p:clrMapOvr>
+    <a:masterClrMapping/>
+  </p:clrMapOvr>
+</p:notes>
+</file>
+
+<file path=ppt/notesSlides/notesSlide2.xml><?xml version="1.0" encoding="utf-8"?>
+<p:notes xmlns:a="http://schemas.openxmlformats.org/drawingml/2006/main" xmlns:r="http://schemas.openxmlformats.org/officeDocument/2006/relationships" xmlns:p="http://schemas.openxmlformats.org/presentationml/2006/main">
+  <p:cSld>
+    <p:spTree>
+      <p:nvGrpSpPr>
+        <p:cNvPr id="1" name=""/>
+        <p:cNvGrpSpPr/>
+        <p:nvPr/>
+      </p:nvGrpSpPr>
+      <p:grpSpPr>
+        <a:xfrm>
+          <a:off x="0" y="0"/>
+          <a:ext cx="0" cy="0"/>
+          <a:chOff x="0" y="0"/>
+          <a:chExt cx="0" cy="0"/>
+        </a:xfrm>
+      </p:grpSpPr>
+      <p:sp>
+        <p:nvSpPr>
+          <p:cNvPr id="2" name="Slide Image Placeholder 1"/>
+          <p:cNvSpPr>
+            <a:spLocks noGrp="1" noRot="1" noChangeAspect="1"/>
+          </p:cNvSpPr>
+          <p:nvPr>
+            <p:ph type="sldImg"/>
+          </p:nvPr>
+        </p:nvSpPr>
+        <p:spPr/>
+      </p:sp>
+      <p:sp>
+        <p:nvSpPr>
+          <p:cNvPr id="3" name="Notes Placeholder 2"/>
+          <p:cNvSpPr>
+            <a:spLocks noGrp="1"/>
+          </p:cNvSpPr>
+          <p:nvPr>
+            <p:ph type="body" idx="1"/>
+          </p:nvPr>
+        </p:nvSpPr>
+        <p:spPr/>
+        <p:txBody>
+          <a:bodyPr/>
+          <a:lstStyle/>
+          <a:p>
+            <a:r>
+              <a:rPr lang="en-US" dirty="0"/>
+              <a:t>Hypothesis: there is a nudge behavior that is present with new users that is not present with existing users and causes their conversion to be lower.</a:t>
+            </a:r>
+          </a:p>
+          <a:p>
+            <a:r>
+              <a:rPr lang="en-US" dirty="0"/>
+              <a:t>Alternative: Existing customers are more likely to </a:t>
+            </a:r>
+            <a:r>
+              <a:rPr lang="en-US" dirty="0" err="1"/>
+              <a:t>exhbit</a:t>
+            </a:r>
+            <a:r>
+              <a:rPr lang="en-US" dirty="0"/>
+              <a:t> behaviors of trying on a product. This is counter indicated in my summation by the fact they do complete application at the same rate.</a:t>
+            </a:r>
+          </a:p>
+        </p:txBody>
+      </p:sp>
+      <p:sp>
+        <p:nvSpPr>
+          <p:cNvPr id="4" name="Slide Number Placeholder 3"/>
+          <p:cNvSpPr>
+            <a:spLocks noGrp="1"/>
+          </p:cNvSpPr>
+          <p:nvPr>
+            <p:ph type="sldNum" sz="quarter" idx="5"/>
+          </p:nvPr>
+        </p:nvSpPr>
+        <p:spPr/>
+        <p:txBody>
+          <a:bodyPr/>
+          <a:lstStyle/>
+          <a:p>
+            <a:fld id="{9FAD4BAF-D687-D245-88C1-05329265955F}" type="slidenum">
+              <a:rPr lang="en-US" smtClean="0"/>
+              <a:t>10</a:t>
+            </a:fld>
+            <a:endParaRPr lang="en-US"/>
+          </a:p>
+        </p:txBody>
+      </p:sp>
+    </p:spTree>
+    <p:extLst>
+      <p:ext uri="{BB962C8B-B14F-4D97-AF65-F5344CB8AC3E}">
+        <p14:creationId xmlns:p14="http://schemas.microsoft.com/office/powerpoint/2010/main" val="3802848707"/>
+      </p:ext>
+    </p:extLst>
+  </p:cSld>
+  <p:clrMapOvr>
+    <a:masterClrMapping/>
+  </p:clrMapOvr>
+</p:notes>
 </file>
 
 <file path=ppt/slideLayouts/slideLayout1.xml><?xml version="1.0" encoding="utf-8"?>
@@ -3371,7 +3928,7 @@
           <a:lstStyle/>
           <a:p>
             <a:r>
-              <a:rPr lang="en-US"/>
+              <a:rPr lang="en-US" dirty="0"/>
               <a:t>Andrew Stewart</a:t>
             </a:r>
           </a:p>
@@ -3381,6 +3938,2025 @@
     <p:extLst>
       <p:ext uri="{BB962C8B-B14F-4D97-AF65-F5344CB8AC3E}">
         <p14:creationId xmlns:p14="http://schemas.microsoft.com/office/powerpoint/2010/main" val="3058384470"/>
+      </p:ext>
+    </p:extLst>
+  </p:cSld>
+  <p:clrMapOvr>
+    <a:masterClrMapping/>
+  </p:clrMapOvr>
+</p:sld>
+</file>
+
+<file path=ppt/slides/slide10.xml><?xml version="1.0" encoding="utf-8"?>
+<p:sld xmlns:a="http://schemas.openxmlformats.org/drawingml/2006/main" xmlns:r="http://schemas.openxmlformats.org/officeDocument/2006/relationships" xmlns:p="http://schemas.openxmlformats.org/presentationml/2006/main">
+  <p:cSld>
+    <p:spTree>
+      <p:nvGrpSpPr>
+        <p:cNvPr id="1" name=""/>
+        <p:cNvGrpSpPr/>
+        <p:nvPr/>
+      </p:nvGrpSpPr>
+      <p:grpSpPr>
+        <a:xfrm>
+          <a:off x="0" y="0"/>
+          <a:ext cx="0" cy="0"/>
+          <a:chOff x="0" y="0"/>
+          <a:chExt cx="0" cy="0"/>
+        </a:xfrm>
+      </p:grpSpPr>
+      <p:sp>
+        <p:nvSpPr>
+          <p:cNvPr id="2" name="Title 1">
+            <a:extLst>
+              <a:ext uri="{FF2B5EF4-FFF2-40B4-BE49-F238E27FC236}">
+                <a16:creationId xmlns:a16="http://schemas.microsoft.com/office/drawing/2014/main" id="{290F4CD4-63F8-2E8C-F757-91E7942D5F87}"/>
+              </a:ext>
+            </a:extLst>
+          </p:cNvPr>
+          <p:cNvSpPr>
+            <a:spLocks noGrp="1"/>
+          </p:cNvSpPr>
+          <p:nvPr>
+            <p:ph type="title"/>
+          </p:nvPr>
+        </p:nvSpPr>
+        <p:spPr/>
+        <p:txBody>
+          <a:bodyPr/>
+          <a:lstStyle/>
+          <a:p>
+            <a:r>
+              <a:rPr lang="en-US" dirty="0"/>
+              <a:t>Insights – New / Old Cohort Analysis</a:t>
+            </a:r>
+          </a:p>
+        </p:txBody>
+      </p:sp>
+      <p:pic>
+        <p:nvPicPr>
+          <p:cNvPr id="5" name="Content Placeholder 4" descr="A graph of a sales funnel&#10;&#10;AI-generated content may be incorrect.">
+            <a:extLst>
+              <a:ext uri="{FF2B5EF4-FFF2-40B4-BE49-F238E27FC236}">
+                <a16:creationId xmlns:a16="http://schemas.microsoft.com/office/drawing/2014/main" id="{B5247AFE-84E0-821E-187E-74EC17764A9A}"/>
+              </a:ext>
+            </a:extLst>
+          </p:cNvPr>
+          <p:cNvPicPr>
+            <a:picLocks noGrp="1" noChangeAspect="1"/>
+          </p:cNvPicPr>
+          <p:nvPr>
+            <p:ph idx="1"/>
+          </p:nvPr>
+        </p:nvPicPr>
+        <p:blipFill>
+          <a:blip r:embed="rId3"/>
+          <a:stretch>
+            <a:fillRect/>
+          </a:stretch>
+        </p:blipFill>
+        <p:spPr>
+          <a:xfrm>
+            <a:off x="212424" y="1339828"/>
+            <a:ext cx="8702676" cy="4351338"/>
+          </a:xfrm>
+        </p:spPr>
+      </p:pic>
+      <p:sp>
+        <p:nvSpPr>
+          <p:cNvPr id="6" name="TextBox 5">
+            <a:extLst>
+              <a:ext uri="{FF2B5EF4-FFF2-40B4-BE49-F238E27FC236}">
+                <a16:creationId xmlns:a16="http://schemas.microsoft.com/office/drawing/2014/main" id="{5168E6ED-EA9D-CFEE-1DCF-C4739D8B1994}"/>
+              </a:ext>
+            </a:extLst>
+          </p:cNvPr>
+          <p:cNvSpPr txBox="1"/>
+          <p:nvPr/>
+        </p:nvSpPr>
+        <p:spPr>
+          <a:xfrm>
+            <a:off x="8915100" y="3515497"/>
+            <a:ext cx="3064476" cy="1754326"/>
+          </a:xfrm>
+          <a:prstGeom prst="rect">
+            <a:avLst/>
+          </a:prstGeom>
+          <a:noFill/>
+        </p:spPr>
+        <p:txBody>
+          <a:bodyPr wrap="square" rtlCol="0">
+            <a:spAutoFit/>
+          </a:bodyPr>
+          <a:lstStyle/>
+          <a:p>
+            <a:pPr marL="285750" indent="-285750">
+              <a:buFont typeface="Arial" panose="020B0604020202020204" pitchFamily="34" charset="0"/>
+              <a:buChar char="•"/>
+            </a:pPr>
+            <a:r>
+              <a:rPr lang="en-US" dirty="0"/>
+              <a:t>New users are significantly more likely to be approved.</a:t>
+            </a:r>
+          </a:p>
+          <a:p>
+            <a:pPr marL="285750" indent="-285750">
+              <a:buFont typeface="Arial" panose="020B0604020202020204" pitchFamily="34" charset="0"/>
+              <a:buChar char="•"/>
+            </a:pPr>
+            <a:r>
+              <a:rPr lang="en-US" dirty="0"/>
+              <a:t>Similarly, more likely to setup deposit and  enter repayment.</a:t>
+            </a:r>
+          </a:p>
+        </p:txBody>
+      </p:sp>
+      <p:sp>
+        <p:nvSpPr>
+          <p:cNvPr id="7" name="TextBox 6">
+            <a:extLst>
+              <a:ext uri="{FF2B5EF4-FFF2-40B4-BE49-F238E27FC236}">
+                <a16:creationId xmlns:a16="http://schemas.microsoft.com/office/drawing/2014/main" id="{F725AF26-A4F8-F786-8EAF-8CE27C0803AE}"/>
+              </a:ext>
+            </a:extLst>
+          </p:cNvPr>
+          <p:cNvSpPr txBox="1"/>
+          <p:nvPr/>
+        </p:nvSpPr>
+        <p:spPr>
+          <a:xfrm>
+            <a:off x="701097" y="5842337"/>
+            <a:ext cx="6070406" cy="584775"/>
+          </a:xfrm>
+          <a:prstGeom prst="rect">
+            <a:avLst/>
+          </a:prstGeom>
+          <a:noFill/>
+        </p:spPr>
+        <p:txBody>
+          <a:bodyPr wrap="square" rtlCol="0">
+            <a:spAutoFit/>
+          </a:bodyPr>
+          <a:lstStyle/>
+          <a:p>
+            <a:r>
+              <a:rPr lang="en-US" b="1" dirty="0"/>
+              <a:t>Recommendation:</a:t>
+            </a:r>
+          </a:p>
+          <a:p>
+            <a:r>
+              <a:rPr lang="en-US" sz="1400" dirty="0"/>
+              <a:t>Look at Deposit setup process differences between new and existing users.</a:t>
+            </a:r>
+          </a:p>
+        </p:txBody>
+      </p:sp>
+    </p:spTree>
+    <p:extLst>
+      <p:ext uri="{BB962C8B-B14F-4D97-AF65-F5344CB8AC3E}">
+        <p14:creationId xmlns:p14="http://schemas.microsoft.com/office/powerpoint/2010/main" val="4007127239"/>
+      </p:ext>
+    </p:extLst>
+  </p:cSld>
+  <p:clrMapOvr>
+    <a:masterClrMapping/>
+  </p:clrMapOvr>
+</p:sld>
+</file>
+
+<file path=ppt/slides/slide11.xml><?xml version="1.0" encoding="utf-8"?>
+<p:sld xmlns:a="http://schemas.openxmlformats.org/drawingml/2006/main" xmlns:r="http://schemas.openxmlformats.org/officeDocument/2006/relationships" xmlns:p="http://schemas.openxmlformats.org/presentationml/2006/main">
+  <p:cSld>
+    <p:spTree>
+      <p:nvGrpSpPr>
+        <p:cNvPr id="1" name=""/>
+        <p:cNvGrpSpPr/>
+        <p:nvPr/>
+      </p:nvGrpSpPr>
+      <p:grpSpPr>
+        <a:xfrm>
+          <a:off x="0" y="0"/>
+          <a:ext cx="0" cy="0"/>
+          <a:chOff x="0" y="0"/>
+          <a:chExt cx="0" cy="0"/>
+        </a:xfrm>
+      </p:grpSpPr>
+      <p:sp>
+        <p:nvSpPr>
+          <p:cNvPr id="2" name="Title 1">
+            <a:extLst>
+              <a:ext uri="{FF2B5EF4-FFF2-40B4-BE49-F238E27FC236}">
+                <a16:creationId xmlns:a16="http://schemas.microsoft.com/office/drawing/2014/main" id="{C779BBB9-215A-19D0-75E8-012B5A26A820}"/>
+              </a:ext>
+            </a:extLst>
+          </p:cNvPr>
+          <p:cNvSpPr>
+            <a:spLocks noGrp="1"/>
+          </p:cNvSpPr>
+          <p:nvPr>
+            <p:ph type="title"/>
+          </p:nvPr>
+        </p:nvSpPr>
+        <p:spPr/>
+        <p:txBody>
+          <a:bodyPr/>
+          <a:lstStyle/>
+          <a:p>
+            <a:r>
+              <a:rPr lang="en-US" dirty="0"/>
+              <a:t>Insights – Repayment Windows</a:t>
+            </a:r>
+          </a:p>
+        </p:txBody>
+      </p:sp>
+      <p:pic>
+        <p:nvPicPr>
+          <p:cNvPr id="5" name="Content Placeholder 4" descr="A screenshot of a graph&#10;&#10;AI-generated content may be incorrect.">
+            <a:extLst>
+              <a:ext uri="{FF2B5EF4-FFF2-40B4-BE49-F238E27FC236}">
+                <a16:creationId xmlns:a16="http://schemas.microsoft.com/office/drawing/2014/main" id="{57E20D15-6098-5931-3F18-756A48F5FB89}"/>
+              </a:ext>
+            </a:extLst>
+          </p:cNvPr>
+          <p:cNvPicPr>
+            <a:picLocks noGrp="1" noChangeAspect="1"/>
+          </p:cNvPicPr>
+          <p:nvPr>
+            <p:ph idx="1"/>
+          </p:nvPr>
+        </p:nvPicPr>
+        <p:blipFill>
+          <a:blip r:embed="rId2"/>
+          <a:stretch>
+            <a:fillRect/>
+          </a:stretch>
+        </p:blipFill>
+        <p:spPr>
+          <a:xfrm>
+            <a:off x="838200" y="1690688"/>
+            <a:ext cx="7467600" cy="3568700"/>
+          </a:xfrm>
+        </p:spPr>
+      </p:pic>
+      <p:sp>
+        <p:nvSpPr>
+          <p:cNvPr id="7" name="TextBox 6">
+            <a:extLst>
+              <a:ext uri="{FF2B5EF4-FFF2-40B4-BE49-F238E27FC236}">
+                <a16:creationId xmlns:a16="http://schemas.microsoft.com/office/drawing/2014/main" id="{D94BD32D-59C9-4FF0-E984-A4DBB1019135}"/>
+              </a:ext>
+            </a:extLst>
+          </p:cNvPr>
+          <p:cNvSpPr txBox="1"/>
+          <p:nvPr/>
+        </p:nvSpPr>
+        <p:spPr>
+          <a:xfrm>
+            <a:off x="838200" y="4686300"/>
+            <a:ext cx="7467600" cy="1200329"/>
+          </a:xfrm>
+          <a:prstGeom prst="rect">
+            <a:avLst/>
+          </a:prstGeom>
+          <a:noFill/>
+        </p:spPr>
+        <p:txBody>
+          <a:bodyPr wrap="square" rtlCol="0">
+            <a:spAutoFit/>
+          </a:bodyPr>
+          <a:lstStyle/>
+          <a:p>
+            <a:r>
+              <a:rPr lang="en-US" dirty="0"/>
+              <a:t>Notice that existing users and new users are in approximate parity until 15-day timeline. In the 15+ day timeline new users out convert existing users. This is further evidence that their may be nudges or other processes that need to be moved to the existing user base from the new user flow.</a:t>
+            </a:r>
+          </a:p>
+        </p:txBody>
+      </p:sp>
+    </p:spTree>
+    <p:extLst>
+      <p:ext uri="{BB962C8B-B14F-4D97-AF65-F5344CB8AC3E}">
+        <p14:creationId xmlns:p14="http://schemas.microsoft.com/office/powerpoint/2010/main" val="2701605375"/>
+      </p:ext>
+    </p:extLst>
+  </p:cSld>
+  <p:clrMapOvr>
+    <a:masterClrMapping/>
+  </p:clrMapOvr>
+</p:sld>
+</file>
+
+<file path=ppt/slides/slide12.xml><?xml version="1.0" encoding="utf-8"?>
+<p:sld xmlns:a="http://schemas.openxmlformats.org/drawingml/2006/main" xmlns:r="http://schemas.openxmlformats.org/officeDocument/2006/relationships" xmlns:p="http://schemas.openxmlformats.org/presentationml/2006/main">
+  <p:cSld>
+    <p:spTree>
+      <p:nvGrpSpPr>
+        <p:cNvPr id="1" name=""/>
+        <p:cNvGrpSpPr/>
+        <p:nvPr/>
+      </p:nvGrpSpPr>
+      <p:grpSpPr>
+        <a:xfrm>
+          <a:off x="0" y="0"/>
+          <a:ext cx="0" cy="0"/>
+          <a:chOff x="0" y="0"/>
+          <a:chExt cx="0" cy="0"/>
+        </a:xfrm>
+      </p:grpSpPr>
+      <p:sp>
+        <p:nvSpPr>
+          <p:cNvPr id="2" name="Title 1">
+            <a:extLst>
+              <a:ext uri="{FF2B5EF4-FFF2-40B4-BE49-F238E27FC236}">
+                <a16:creationId xmlns:a16="http://schemas.microsoft.com/office/drawing/2014/main" id="{5633BEB5-9EC8-6443-D7A5-E1A3CAB91177}"/>
+              </a:ext>
+            </a:extLst>
+          </p:cNvPr>
+          <p:cNvSpPr>
+            <a:spLocks noGrp="1"/>
+          </p:cNvSpPr>
+          <p:nvPr>
+            <p:ph type="title"/>
+          </p:nvPr>
+        </p:nvSpPr>
+        <p:spPr/>
+        <p:txBody>
+          <a:bodyPr/>
+          <a:lstStyle/>
+          <a:p>
+            <a:r>
+              <a:rPr lang="en-US" dirty="0"/>
+              <a:t>Recommendation</a:t>
+            </a:r>
+          </a:p>
+        </p:txBody>
+      </p:sp>
+      <p:sp>
+        <p:nvSpPr>
+          <p:cNvPr id="3" name="Content Placeholder 2">
+            <a:extLst>
+              <a:ext uri="{FF2B5EF4-FFF2-40B4-BE49-F238E27FC236}">
+                <a16:creationId xmlns:a16="http://schemas.microsoft.com/office/drawing/2014/main" id="{4B70C338-B9B0-3516-8C38-29217CF6A19B}"/>
+              </a:ext>
+            </a:extLst>
+          </p:cNvPr>
+          <p:cNvSpPr>
+            <a:spLocks noGrp="1"/>
+          </p:cNvSpPr>
+          <p:nvPr>
+            <p:ph idx="1"/>
+          </p:nvPr>
+        </p:nvSpPr>
+        <p:spPr/>
+        <p:txBody>
+          <a:bodyPr/>
+          <a:lstStyle/>
+          <a:p>
+            <a:r>
+              <a:rPr lang="en-US" dirty="0"/>
+              <a:t>Focus on existing customers. Existing customers have a higher ticket price and should have lower acquisition costs.</a:t>
+            </a:r>
+          </a:p>
+          <a:p>
+            <a:r>
+              <a:rPr lang="en-US" dirty="0"/>
+              <a:t>Analyze differences in the order flow for new and existing users</a:t>
+            </a:r>
+          </a:p>
+          <a:p>
+            <a:r>
+              <a:rPr lang="en-US" dirty="0"/>
+              <a:t>If new users are nudged more implement similar nudges to existing users</a:t>
+            </a:r>
+          </a:p>
+          <a:p>
+            <a:r>
+              <a:rPr lang="en-US" dirty="0"/>
+              <a:t>If flows have approximately equal nudges, consider how to engage existing users especially beyond 15 days after approval.</a:t>
+            </a:r>
+          </a:p>
+        </p:txBody>
+      </p:sp>
+    </p:spTree>
+    <p:extLst>
+      <p:ext uri="{BB962C8B-B14F-4D97-AF65-F5344CB8AC3E}">
+        <p14:creationId xmlns:p14="http://schemas.microsoft.com/office/powerpoint/2010/main" val="2001874390"/>
+      </p:ext>
+    </p:extLst>
+  </p:cSld>
+  <p:clrMapOvr>
+    <a:masterClrMapping/>
+  </p:clrMapOvr>
+</p:sld>
+</file>
+
+<file path=ppt/slides/slide13.xml><?xml version="1.0" encoding="utf-8"?>
+<p:sld xmlns:a="http://schemas.openxmlformats.org/drawingml/2006/main" xmlns:r="http://schemas.openxmlformats.org/officeDocument/2006/relationships" xmlns:p="http://schemas.openxmlformats.org/presentationml/2006/main">
+  <p:cSld>
+    <p:spTree>
+      <p:nvGrpSpPr>
+        <p:cNvPr id="1" name=""/>
+        <p:cNvGrpSpPr/>
+        <p:nvPr/>
+      </p:nvGrpSpPr>
+      <p:grpSpPr>
+        <a:xfrm>
+          <a:off x="0" y="0"/>
+          <a:ext cx="0" cy="0"/>
+          <a:chOff x="0" y="0"/>
+          <a:chExt cx="0" cy="0"/>
+        </a:xfrm>
+      </p:grpSpPr>
+      <p:sp>
+        <p:nvSpPr>
+          <p:cNvPr id="2" name="Title 1">
+            <a:extLst>
+              <a:ext uri="{FF2B5EF4-FFF2-40B4-BE49-F238E27FC236}">
+                <a16:creationId xmlns:a16="http://schemas.microsoft.com/office/drawing/2014/main" id="{154BEC62-B8DD-8533-9923-937EA26E7459}"/>
+              </a:ext>
+            </a:extLst>
+          </p:cNvPr>
+          <p:cNvSpPr>
+            <a:spLocks noGrp="1"/>
+          </p:cNvSpPr>
+          <p:nvPr>
+            <p:ph type="title"/>
+          </p:nvPr>
+        </p:nvSpPr>
+        <p:spPr/>
+        <p:txBody>
+          <a:bodyPr/>
+          <a:lstStyle/>
+          <a:p>
+            <a:r>
+              <a:rPr lang="en-US" dirty="0"/>
+              <a:t>Next Steps</a:t>
+            </a:r>
+          </a:p>
+        </p:txBody>
+      </p:sp>
+      <p:sp>
+        <p:nvSpPr>
+          <p:cNvPr id="3" name="Content Placeholder 2">
+            <a:extLst>
+              <a:ext uri="{FF2B5EF4-FFF2-40B4-BE49-F238E27FC236}">
+                <a16:creationId xmlns:a16="http://schemas.microsoft.com/office/drawing/2014/main" id="{92FAAECF-109E-6E4E-5799-928C01CC67B3}"/>
+              </a:ext>
+            </a:extLst>
+          </p:cNvPr>
+          <p:cNvSpPr>
+            <a:spLocks noGrp="1"/>
+          </p:cNvSpPr>
+          <p:nvPr>
+            <p:ph idx="1"/>
+          </p:nvPr>
+        </p:nvSpPr>
+        <p:spPr/>
+        <p:txBody>
+          <a:bodyPr/>
+          <a:lstStyle/>
+          <a:p>
+            <a:r>
+              <a:rPr lang="en-US" dirty="0"/>
+              <a:t>Further Analysis of process for new and existing users.</a:t>
+            </a:r>
+          </a:p>
+          <a:p>
+            <a:r>
+              <a:rPr lang="en-US" dirty="0"/>
+              <a:t>Look deeper into approval process.</a:t>
+            </a:r>
+          </a:p>
+          <a:p>
+            <a:r>
+              <a:rPr lang="en-US" dirty="0"/>
+              <a:t>Consider non-underwriting improvements to the approval process.</a:t>
+            </a:r>
+          </a:p>
+          <a:p>
+            <a:endParaRPr lang="en-US" dirty="0"/>
+          </a:p>
+        </p:txBody>
+      </p:sp>
+    </p:spTree>
+    <p:extLst>
+      <p:ext uri="{BB962C8B-B14F-4D97-AF65-F5344CB8AC3E}">
+        <p14:creationId xmlns:p14="http://schemas.microsoft.com/office/powerpoint/2010/main" val="2768077499"/>
+      </p:ext>
+    </p:extLst>
+  </p:cSld>
+  <p:clrMapOvr>
+    <a:masterClrMapping/>
+  </p:clrMapOvr>
+</p:sld>
+</file>
+
+<file path=ppt/slides/slide14.xml><?xml version="1.0" encoding="utf-8"?>
+<p:sld xmlns:a="http://schemas.openxmlformats.org/drawingml/2006/main" xmlns:r="http://schemas.openxmlformats.org/officeDocument/2006/relationships" xmlns:p="http://schemas.openxmlformats.org/presentationml/2006/main">
+  <p:cSld>
+    <p:spTree>
+      <p:nvGrpSpPr>
+        <p:cNvPr id="1" name=""/>
+        <p:cNvGrpSpPr/>
+        <p:nvPr/>
+      </p:nvGrpSpPr>
+      <p:grpSpPr>
+        <a:xfrm>
+          <a:off x="0" y="0"/>
+          <a:ext cx="0" cy="0"/>
+          <a:chOff x="0" y="0"/>
+          <a:chExt cx="0" cy="0"/>
+        </a:xfrm>
+      </p:grpSpPr>
+      <p:sp>
+        <p:nvSpPr>
+          <p:cNvPr id="3" name="Content Placeholder 2">
+            <a:extLst>
+              <a:ext uri="{FF2B5EF4-FFF2-40B4-BE49-F238E27FC236}">
+                <a16:creationId xmlns:a16="http://schemas.microsoft.com/office/drawing/2014/main" id="{F39A0DCB-4E05-A315-CA77-CF88530DA3EC}"/>
+              </a:ext>
+            </a:extLst>
+          </p:cNvPr>
+          <p:cNvSpPr>
+            <a:spLocks noGrp="1"/>
+          </p:cNvSpPr>
+          <p:nvPr>
+            <p:ph idx="1"/>
+          </p:nvPr>
+        </p:nvSpPr>
+        <p:spPr>
+          <a:xfrm>
+            <a:off x="838200" y="304800"/>
+            <a:ext cx="10515600" cy="5872163"/>
+          </a:xfrm>
+        </p:spPr>
+        <p:txBody>
+          <a:bodyPr/>
+          <a:lstStyle/>
+          <a:p>
+            <a:pPr marL="0" indent="0" algn="ctr">
+              <a:buNone/>
+            </a:pPr>
+            <a:endParaRPr lang="en-US" dirty="0"/>
+          </a:p>
+          <a:p>
+            <a:pPr marL="0" indent="0" algn="ctr">
+              <a:buNone/>
+            </a:pPr>
+            <a:endParaRPr lang="en-US" dirty="0"/>
+          </a:p>
+          <a:p>
+            <a:pPr marL="0" indent="0" algn="ctr">
+              <a:buNone/>
+            </a:pPr>
+            <a:endParaRPr lang="en-US" dirty="0"/>
+          </a:p>
+          <a:p>
+            <a:pPr marL="0" indent="0" algn="ctr">
+              <a:buNone/>
+            </a:pPr>
+            <a:endParaRPr lang="en-US" dirty="0"/>
+          </a:p>
+          <a:p>
+            <a:pPr marL="0" indent="0" algn="ctr">
+              <a:buNone/>
+            </a:pPr>
+            <a:r>
+              <a:rPr lang="en-US" dirty="0"/>
+              <a:t>Thank You!</a:t>
+            </a:r>
+          </a:p>
+          <a:p>
+            <a:pPr marL="0" indent="0" algn="ctr">
+              <a:buNone/>
+            </a:pPr>
+            <a:endParaRPr lang="en-US" dirty="0"/>
+          </a:p>
+          <a:p>
+            <a:pPr marL="0" indent="0" algn="ctr">
+              <a:buNone/>
+            </a:pPr>
+            <a:endParaRPr lang="en-US" dirty="0"/>
+          </a:p>
+          <a:p>
+            <a:pPr marL="0" indent="0" algn="ctr">
+              <a:buNone/>
+            </a:pPr>
+            <a:r>
+              <a:rPr lang="en-US" dirty="0"/>
+              <a:t>Any Questions?</a:t>
+            </a:r>
+          </a:p>
+        </p:txBody>
+      </p:sp>
+    </p:spTree>
+    <p:extLst>
+      <p:ext uri="{BB962C8B-B14F-4D97-AF65-F5344CB8AC3E}">
+        <p14:creationId xmlns:p14="http://schemas.microsoft.com/office/powerpoint/2010/main" val="180125967"/>
+      </p:ext>
+    </p:extLst>
+  </p:cSld>
+  <p:clrMapOvr>
+    <a:masterClrMapping/>
+  </p:clrMapOvr>
+</p:sld>
+</file>
+
+<file path=ppt/slides/slide15.xml><?xml version="1.0" encoding="utf-8"?>
+<p:sld xmlns:a="http://schemas.openxmlformats.org/drawingml/2006/main" xmlns:r="http://schemas.openxmlformats.org/officeDocument/2006/relationships" xmlns:p="http://schemas.openxmlformats.org/presentationml/2006/main">
+  <p:cSld>
+    <p:spTree>
+      <p:nvGrpSpPr>
+        <p:cNvPr id="1" name=""/>
+        <p:cNvGrpSpPr/>
+        <p:nvPr/>
+      </p:nvGrpSpPr>
+      <p:grpSpPr>
+        <a:xfrm>
+          <a:off x="0" y="0"/>
+          <a:ext cx="0" cy="0"/>
+          <a:chOff x="0" y="0"/>
+          <a:chExt cx="0" cy="0"/>
+        </a:xfrm>
+      </p:grpSpPr>
+      <p:sp>
+        <p:nvSpPr>
+          <p:cNvPr id="2" name="Title 1">
+            <a:extLst>
+              <a:ext uri="{FF2B5EF4-FFF2-40B4-BE49-F238E27FC236}">
+                <a16:creationId xmlns:a16="http://schemas.microsoft.com/office/drawing/2014/main" id="{859221A2-995D-511B-6098-FE3B06A360E8}"/>
+              </a:ext>
+            </a:extLst>
+          </p:cNvPr>
+          <p:cNvSpPr>
+            <a:spLocks noGrp="1"/>
+          </p:cNvSpPr>
+          <p:nvPr>
+            <p:ph type="title"/>
+          </p:nvPr>
+        </p:nvSpPr>
+        <p:spPr/>
+        <p:txBody>
+          <a:bodyPr/>
+          <a:lstStyle/>
+          <a:p>
+            <a:r>
+              <a:rPr lang="en-US" dirty="0"/>
+              <a:t>Appendix: Approvals</a:t>
+            </a:r>
+          </a:p>
+        </p:txBody>
+      </p:sp>
+      <p:pic>
+        <p:nvPicPr>
+          <p:cNvPr id="5" name="Content Placeholder 4" descr="A table of approval type count&#10;&#10;AI-generated content may be incorrect.">
+            <a:extLst>
+              <a:ext uri="{FF2B5EF4-FFF2-40B4-BE49-F238E27FC236}">
+                <a16:creationId xmlns:a16="http://schemas.microsoft.com/office/drawing/2014/main" id="{036423B8-5A2F-90E9-14E7-8E150B4616A9}"/>
+              </a:ext>
+            </a:extLst>
+          </p:cNvPr>
+          <p:cNvPicPr>
+            <a:picLocks noGrp="1" noChangeAspect="1"/>
+          </p:cNvPicPr>
+          <p:nvPr>
+            <p:ph idx="1"/>
+          </p:nvPr>
+        </p:nvPicPr>
+        <p:blipFill>
+          <a:blip r:embed="rId2"/>
+          <a:stretch>
+            <a:fillRect/>
+          </a:stretch>
+        </p:blipFill>
+        <p:spPr>
+          <a:xfrm>
+            <a:off x="2743200" y="2216944"/>
+            <a:ext cx="6705600" cy="3568700"/>
+          </a:xfrm>
+        </p:spPr>
+      </p:pic>
+    </p:spTree>
+    <p:extLst>
+      <p:ext uri="{BB962C8B-B14F-4D97-AF65-F5344CB8AC3E}">
+        <p14:creationId xmlns:p14="http://schemas.microsoft.com/office/powerpoint/2010/main" val="3370021567"/>
+      </p:ext>
+    </p:extLst>
+  </p:cSld>
+  <p:clrMapOvr>
+    <a:masterClrMapping/>
+  </p:clrMapOvr>
+</p:sld>
+</file>
+
+<file path=ppt/slides/slide16.xml><?xml version="1.0" encoding="utf-8"?>
+<p:sld xmlns:a="http://schemas.openxmlformats.org/drawingml/2006/main" xmlns:r="http://schemas.openxmlformats.org/officeDocument/2006/relationships" xmlns:p="http://schemas.openxmlformats.org/presentationml/2006/main">
+  <p:cSld>
+    <p:spTree>
+      <p:nvGrpSpPr>
+        <p:cNvPr id="1" name=""/>
+        <p:cNvGrpSpPr/>
+        <p:nvPr/>
+      </p:nvGrpSpPr>
+      <p:grpSpPr>
+        <a:xfrm>
+          <a:off x="0" y="0"/>
+          <a:ext cx="0" cy="0"/>
+          <a:chOff x="0" y="0"/>
+          <a:chExt cx="0" cy="0"/>
+        </a:xfrm>
+      </p:grpSpPr>
+      <p:sp>
+        <p:nvSpPr>
+          <p:cNvPr id="2" name="Title 1">
+            <a:extLst>
+              <a:ext uri="{FF2B5EF4-FFF2-40B4-BE49-F238E27FC236}">
+                <a16:creationId xmlns:a16="http://schemas.microsoft.com/office/drawing/2014/main" id="{32257568-1AF6-70F9-C70C-CAD2A1CD7A21}"/>
+              </a:ext>
+            </a:extLst>
+          </p:cNvPr>
+          <p:cNvSpPr>
+            <a:spLocks noGrp="1"/>
+          </p:cNvSpPr>
+          <p:nvPr>
+            <p:ph type="title"/>
+          </p:nvPr>
+        </p:nvSpPr>
+        <p:spPr/>
+        <p:txBody>
+          <a:bodyPr/>
+          <a:lstStyle/>
+          <a:p>
+            <a:r>
+              <a:rPr lang="en-US" dirty="0" err="1"/>
+              <a:t>Apendix</a:t>
+            </a:r>
+            <a:r>
+              <a:rPr lang="en-US" dirty="0"/>
+              <a:t>: Cancellations</a:t>
+            </a:r>
+          </a:p>
+        </p:txBody>
+      </p:sp>
+      <p:pic>
+        <p:nvPicPr>
+          <p:cNvPr id="5" name="Content Placeholder 4" descr="A table of text with numbers&#10;&#10;AI-generated content may be incorrect.">
+            <a:extLst>
+              <a:ext uri="{FF2B5EF4-FFF2-40B4-BE49-F238E27FC236}">
+                <a16:creationId xmlns:a16="http://schemas.microsoft.com/office/drawing/2014/main" id="{2FB75E7B-CCA4-849B-9F3E-506257DA8184}"/>
+              </a:ext>
+            </a:extLst>
+          </p:cNvPr>
+          <p:cNvPicPr>
+            <a:picLocks noGrp="1" noChangeAspect="1"/>
+          </p:cNvPicPr>
+          <p:nvPr>
+            <p:ph idx="1"/>
+          </p:nvPr>
+        </p:nvPicPr>
+        <p:blipFill>
+          <a:blip r:embed="rId2"/>
+          <a:stretch>
+            <a:fillRect/>
+          </a:stretch>
+        </p:blipFill>
+        <p:spPr>
+          <a:xfrm>
+            <a:off x="368300" y="1341764"/>
+            <a:ext cx="4546600" cy="5151111"/>
+          </a:xfrm>
+        </p:spPr>
+      </p:pic>
+    </p:spTree>
+    <p:extLst>
+      <p:ext uri="{BB962C8B-B14F-4D97-AF65-F5344CB8AC3E}">
+        <p14:creationId xmlns:p14="http://schemas.microsoft.com/office/powerpoint/2010/main" val="2315323863"/>
+      </p:ext>
+    </p:extLst>
+  </p:cSld>
+  <p:clrMapOvr>
+    <a:masterClrMapping/>
+  </p:clrMapOvr>
+</p:sld>
+</file>
+
+<file path=ppt/slides/slide17.xml><?xml version="1.0" encoding="utf-8"?>
+<p:sld xmlns:a="http://schemas.openxmlformats.org/drawingml/2006/main" xmlns:r="http://schemas.openxmlformats.org/officeDocument/2006/relationships" xmlns:p="http://schemas.openxmlformats.org/presentationml/2006/main">
+  <p:cSld>
+    <p:spTree>
+      <p:nvGrpSpPr>
+        <p:cNvPr id="1" name=""/>
+        <p:cNvGrpSpPr/>
+        <p:nvPr/>
+      </p:nvGrpSpPr>
+      <p:grpSpPr>
+        <a:xfrm>
+          <a:off x="0" y="0"/>
+          <a:ext cx="0" cy="0"/>
+          <a:chOff x="0" y="0"/>
+          <a:chExt cx="0" cy="0"/>
+        </a:xfrm>
+      </p:grpSpPr>
+      <p:sp>
+        <p:nvSpPr>
+          <p:cNvPr id="2" name="Title 1">
+            <a:extLst>
+              <a:ext uri="{FF2B5EF4-FFF2-40B4-BE49-F238E27FC236}">
+                <a16:creationId xmlns:a16="http://schemas.microsoft.com/office/drawing/2014/main" id="{28AC265F-0962-3EB6-147F-C6C2CC959416}"/>
+              </a:ext>
+            </a:extLst>
+          </p:cNvPr>
+          <p:cNvSpPr>
+            <a:spLocks noGrp="1"/>
+          </p:cNvSpPr>
+          <p:nvPr>
+            <p:ph type="title"/>
+          </p:nvPr>
+        </p:nvSpPr>
+        <p:spPr/>
+        <p:txBody>
+          <a:bodyPr/>
+          <a:lstStyle/>
+          <a:p>
+            <a:r>
+              <a:rPr lang="en-US" dirty="0"/>
+              <a:t>Appendix: Duration Statistics</a:t>
+            </a:r>
+          </a:p>
+        </p:txBody>
+      </p:sp>
+      <p:pic>
+        <p:nvPicPr>
+          <p:cNvPr id="5" name="Content Placeholder 4" descr="A table with numbers and a few words&#10;&#10;AI-generated content may be incorrect.">
+            <a:extLst>
+              <a:ext uri="{FF2B5EF4-FFF2-40B4-BE49-F238E27FC236}">
+                <a16:creationId xmlns:a16="http://schemas.microsoft.com/office/drawing/2014/main" id="{B86D0020-42B4-483A-8FCB-F95AF0955D69}"/>
+              </a:ext>
+            </a:extLst>
+          </p:cNvPr>
+          <p:cNvPicPr>
+            <a:picLocks noGrp="1" noChangeAspect="1"/>
+          </p:cNvPicPr>
+          <p:nvPr>
+            <p:ph idx="1"/>
+          </p:nvPr>
+        </p:nvPicPr>
+        <p:blipFill>
+          <a:blip r:embed="rId2"/>
+          <a:stretch>
+            <a:fillRect/>
+          </a:stretch>
+        </p:blipFill>
+        <p:spPr>
+          <a:xfrm>
+            <a:off x="838200" y="1307372"/>
+            <a:ext cx="4465853" cy="3063874"/>
+          </a:xfrm>
+        </p:spPr>
+      </p:pic>
+      <p:pic>
+        <p:nvPicPr>
+          <p:cNvPr id="7" name="Picture 6" descr="A table with numbers and a few lines&#10;&#10;AI-generated content may be incorrect.">
+            <a:extLst>
+              <a:ext uri="{FF2B5EF4-FFF2-40B4-BE49-F238E27FC236}">
+                <a16:creationId xmlns:a16="http://schemas.microsoft.com/office/drawing/2014/main" id="{C44D4E77-361B-A171-1D40-EA57D1AE4524}"/>
+              </a:ext>
+            </a:extLst>
+          </p:cNvPr>
+          <p:cNvPicPr>
+            <a:picLocks noChangeAspect="1"/>
+          </p:cNvPicPr>
+          <p:nvPr/>
+        </p:nvPicPr>
+        <p:blipFill>
+          <a:blip r:embed="rId3"/>
+          <a:stretch>
+            <a:fillRect/>
+          </a:stretch>
+        </p:blipFill>
+        <p:spPr>
+          <a:xfrm>
+            <a:off x="516153" y="3794125"/>
+            <a:ext cx="4465854" cy="3063875"/>
+          </a:xfrm>
+          <a:prstGeom prst="rect">
+            <a:avLst/>
+          </a:prstGeom>
+        </p:spPr>
+      </p:pic>
+      <p:pic>
+        <p:nvPicPr>
+          <p:cNvPr id="9" name="Picture 8" descr="A screenshot of a graph&#10;&#10;AI-generated content may be incorrect.">
+            <a:extLst>
+              <a:ext uri="{FF2B5EF4-FFF2-40B4-BE49-F238E27FC236}">
+                <a16:creationId xmlns:a16="http://schemas.microsoft.com/office/drawing/2014/main" id="{61131F7B-0D52-B8FF-C3C5-9A72F4123613}"/>
+              </a:ext>
+            </a:extLst>
+          </p:cNvPr>
+          <p:cNvPicPr>
+            <a:picLocks noChangeAspect="1"/>
+          </p:cNvPicPr>
+          <p:nvPr/>
+        </p:nvPicPr>
+        <p:blipFill>
+          <a:blip r:embed="rId4"/>
+          <a:stretch>
+            <a:fillRect/>
+          </a:stretch>
+        </p:blipFill>
+        <p:spPr>
+          <a:xfrm>
+            <a:off x="5626100" y="1690688"/>
+            <a:ext cx="6184900" cy="4243256"/>
+          </a:xfrm>
+          <a:prstGeom prst="rect">
+            <a:avLst/>
+          </a:prstGeom>
+        </p:spPr>
+      </p:pic>
+    </p:spTree>
+    <p:extLst>
+      <p:ext uri="{BB962C8B-B14F-4D97-AF65-F5344CB8AC3E}">
+        <p14:creationId xmlns:p14="http://schemas.microsoft.com/office/powerpoint/2010/main" val="2570916956"/>
+      </p:ext>
+    </p:extLst>
+  </p:cSld>
+  <p:clrMapOvr>
+    <a:masterClrMapping/>
+  </p:clrMapOvr>
+</p:sld>
+</file>
+
+<file path=ppt/slides/slide18.xml><?xml version="1.0" encoding="utf-8"?>
+<p:sld xmlns:a="http://schemas.openxmlformats.org/drawingml/2006/main" xmlns:r="http://schemas.openxmlformats.org/officeDocument/2006/relationships" xmlns:p="http://schemas.openxmlformats.org/presentationml/2006/main">
+  <p:cSld>
+    <p:spTree>
+      <p:nvGrpSpPr>
+        <p:cNvPr id="1" name=""/>
+        <p:cNvGrpSpPr/>
+        <p:nvPr/>
+      </p:nvGrpSpPr>
+      <p:grpSpPr>
+        <a:xfrm>
+          <a:off x="0" y="0"/>
+          <a:ext cx="0" cy="0"/>
+          <a:chOff x="0" y="0"/>
+          <a:chExt cx="0" cy="0"/>
+        </a:xfrm>
+      </p:grpSpPr>
+      <p:sp>
+        <p:nvSpPr>
+          <p:cNvPr id="2" name="Title 1">
+            <a:extLst>
+              <a:ext uri="{FF2B5EF4-FFF2-40B4-BE49-F238E27FC236}">
+                <a16:creationId xmlns:a16="http://schemas.microsoft.com/office/drawing/2014/main" id="{148035E0-69D2-4D6E-C882-00B2D4CDE78B}"/>
+              </a:ext>
+            </a:extLst>
+          </p:cNvPr>
+          <p:cNvSpPr>
+            <a:spLocks noGrp="1"/>
+          </p:cNvSpPr>
+          <p:nvPr>
+            <p:ph type="title"/>
+          </p:nvPr>
+        </p:nvSpPr>
+        <p:spPr/>
+        <p:txBody>
+          <a:bodyPr/>
+          <a:lstStyle/>
+          <a:p>
+            <a:r>
+              <a:rPr lang="en-US" dirty="0"/>
+              <a:t>Appendix: Employers</a:t>
+            </a:r>
+          </a:p>
+        </p:txBody>
+      </p:sp>
+      <p:pic>
+        <p:nvPicPr>
+          <p:cNvPr id="5" name="Content Placeholder 4" descr="A screenshot of a document&#10;&#10;AI-generated content may be incorrect.">
+            <a:extLst>
+              <a:ext uri="{FF2B5EF4-FFF2-40B4-BE49-F238E27FC236}">
+                <a16:creationId xmlns:a16="http://schemas.microsoft.com/office/drawing/2014/main" id="{54E5EB85-399B-4487-39A7-56466F221777}"/>
+              </a:ext>
+            </a:extLst>
+          </p:cNvPr>
+          <p:cNvPicPr>
+            <a:picLocks noGrp="1" noChangeAspect="1"/>
+          </p:cNvPicPr>
+          <p:nvPr>
+            <p:ph idx="1"/>
+          </p:nvPr>
+        </p:nvPicPr>
+        <p:blipFill>
+          <a:blip r:embed="rId2"/>
+          <a:stretch>
+            <a:fillRect/>
+          </a:stretch>
+        </p:blipFill>
+        <p:spPr>
+          <a:xfrm>
+            <a:off x="838200" y="1558925"/>
+            <a:ext cx="6409903" cy="4351338"/>
+          </a:xfrm>
+        </p:spPr>
+      </p:pic>
+    </p:spTree>
+    <p:extLst>
+      <p:ext uri="{BB962C8B-B14F-4D97-AF65-F5344CB8AC3E}">
+        <p14:creationId xmlns:p14="http://schemas.microsoft.com/office/powerpoint/2010/main" val="2496475617"/>
+      </p:ext>
+    </p:extLst>
+  </p:cSld>
+  <p:clrMapOvr>
+    <a:masterClrMapping/>
+  </p:clrMapOvr>
+</p:sld>
+</file>
+
+<file path=ppt/slides/slide2.xml><?xml version="1.0" encoding="utf-8"?>
+<p:sld xmlns:a="http://schemas.openxmlformats.org/drawingml/2006/main" xmlns:r="http://schemas.openxmlformats.org/officeDocument/2006/relationships" xmlns:p="http://schemas.openxmlformats.org/presentationml/2006/main">
+  <p:cSld>
+    <p:spTree>
+      <p:nvGrpSpPr>
+        <p:cNvPr id="1" name=""/>
+        <p:cNvGrpSpPr/>
+        <p:nvPr/>
+      </p:nvGrpSpPr>
+      <p:grpSpPr>
+        <a:xfrm>
+          <a:off x="0" y="0"/>
+          <a:ext cx="0" cy="0"/>
+          <a:chOff x="0" y="0"/>
+          <a:chExt cx="0" cy="0"/>
+        </a:xfrm>
+      </p:grpSpPr>
+      <p:sp>
+        <p:nvSpPr>
+          <p:cNvPr id="2" name="Title 1">
+            <a:extLst>
+              <a:ext uri="{FF2B5EF4-FFF2-40B4-BE49-F238E27FC236}">
+                <a16:creationId xmlns:a16="http://schemas.microsoft.com/office/drawing/2014/main" id="{888D1930-7B0F-826B-8690-69C5B78FDE78}"/>
+              </a:ext>
+            </a:extLst>
+          </p:cNvPr>
+          <p:cNvSpPr>
+            <a:spLocks noGrp="1"/>
+          </p:cNvSpPr>
+          <p:nvPr>
+            <p:ph type="title"/>
+          </p:nvPr>
+        </p:nvSpPr>
+        <p:spPr/>
+        <p:txBody>
+          <a:bodyPr/>
+          <a:lstStyle/>
+          <a:p>
+            <a:r>
+              <a:rPr lang="en-US" dirty="0"/>
+              <a:t>Agenda</a:t>
+            </a:r>
+          </a:p>
+        </p:txBody>
+      </p:sp>
+      <p:sp>
+        <p:nvSpPr>
+          <p:cNvPr id="3" name="Content Placeholder 2">
+            <a:extLst>
+              <a:ext uri="{FF2B5EF4-FFF2-40B4-BE49-F238E27FC236}">
+                <a16:creationId xmlns:a16="http://schemas.microsoft.com/office/drawing/2014/main" id="{6B7E5B14-3AEF-0606-7ED3-5E7D00A18A56}"/>
+              </a:ext>
+            </a:extLst>
+          </p:cNvPr>
+          <p:cNvSpPr>
+            <a:spLocks noGrp="1"/>
+          </p:cNvSpPr>
+          <p:nvPr>
+            <p:ph idx="1"/>
+          </p:nvPr>
+        </p:nvSpPr>
+        <p:spPr/>
+        <p:txBody>
+          <a:bodyPr/>
+          <a:lstStyle/>
+          <a:p>
+            <a:r>
+              <a:rPr lang="en-US" dirty="0"/>
+              <a:t>Data</a:t>
+            </a:r>
+          </a:p>
+          <a:p>
+            <a:r>
+              <a:rPr lang="en-US" dirty="0"/>
+              <a:t>Methodology</a:t>
+            </a:r>
+          </a:p>
+          <a:p>
+            <a:r>
+              <a:rPr lang="en-US" dirty="0"/>
+              <a:t>Insights</a:t>
+            </a:r>
+          </a:p>
+          <a:p>
+            <a:r>
+              <a:rPr lang="en-US" dirty="0"/>
+              <a:t>Recommendations</a:t>
+            </a:r>
+          </a:p>
+          <a:p>
+            <a:r>
+              <a:rPr lang="en-US" dirty="0"/>
+              <a:t>Next Steps</a:t>
+            </a:r>
+          </a:p>
+          <a:p>
+            <a:r>
+              <a:rPr lang="en-US" dirty="0"/>
+              <a:t>Questions</a:t>
+            </a:r>
+          </a:p>
+        </p:txBody>
+      </p:sp>
+    </p:spTree>
+    <p:extLst>
+      <p:ext uri="{BB962C8B-B14F-4D97-AF65-F5344CB8AC3E}">
+        <p14:creationId xmlns:p14="http://schemas.microsoft.com/office/powerpoint/2010/main" val="3472931253"/>
+      </p:ext>
+    </p:extLst>
+  </p:cSld>
+  <p:clrMapOvr>
+    <a:masterClrMapping/>
+  </p:clrMapOvr>
+</p:sld>
+</file>
+
+<file path=ppt/slides/slide3.xml><?xml version="1.0" encoding="utf-8"?>
+<p:sld xmlns:a="http://schemas.openxmlformats.org/drawingml/2006/main" xmlns:r="http://schemas.openxmlformats.org/officeDocument/2006/relationships" xmlns:p="http://schemas.openxmlformats.org/presentationml/2006/main">
+  <p:cSld>
+    <p:spTree>
+      <p:nvGrpSpPr>
+        <p:cNvPr id="1" name=""/>
+        <p:cNvGrpSpPr/>
+        <p:nvPr/>
+      </p:nvGrpSpPr>
+      <p:grpSpPr>
+        <a:xfrm>
+          <a:off x="0" y="0"/>
+          <a:ext cx="0" cy="0"/>
+          <a:chOff x="0" y="0"/>
+          <a:chExt cx="0" cy="0"/>
+        </a:xfrm>
+      </p:grpSpPr>
+      <p:sp>
+        <p:nvSpPr>
+          <p:cNvPr id="2" name="Title 1">
+            <a:extLst>
+              <a:ext uri="{FF2B5EF4-FFF2-40B4-BE49-F238E27FC236}">
+                <a16:creationId xmlns:a16="http://schemas.microsoft.com/office/drawing/2014/main" id="{64B0685B-E8FD-E8A3-3390-18A676922126}"/>
+              </a:ext>
+            </a:extLst>
+          </p:cNvPr>
+          <p:cNvSpPr>
+            <a:spLocks noGrp="1"/>
+          </p:cNvSpPr>
+          <p:nvPr>
+            <p:ph type="title"/>
+          </p:nvPr>
+        </p:nvSpPr>
+        <p:spPr/>
+        <p:txBody>
+          <a:bodyPr/>
+          <a:lstStyle/>
+          <a:p>
+            <a:r>
+              <a:rPr lang="en-US" dirty="0"/>
+              <a:t>Data Sources</a:t>
+            </a:r>
+          </a:p>
+        </p:txBody>
+      </p:sp>
+      <p:sp>
+        <p:nvSpPr>
+          <p:cNvPr id="3" name="Content Placeholder 2">
+            <a:extLst>
+              <a:ext uri="{FF2B5EF4-FFF2-40B4-BE49-F238E27FC236}">
+                <a16:creationId xmlns:a16="http://schemas.microsoft.com/office/drawing/2014/main" id="{DFA39F8E-F947-D06A-1DB7-FE98E3C6EC34}"/>
+              </a:ext>
+            </a:extLst>
+          </p:cNvPr>
+          <p:cNvSpPr>
+            <a:spLocks noGrp="1"/>
+          </p:cNvSpPr>
+          <p:nvPr>
+            <p:ph idx="1"/>
+          </p:nvPr>
+        </p:nvSpPr>
+        <p:spPr/>
+        <p:txBody>
+          <a:bodyPr>
+            <a:normAutofit lnSpcReduction="10000"/>
+          </a:bodyPr>
+          <a:lstStyle/>
+          <a:p>
+            <a:pPr>
+              <a:lnSpc>
+                <a:spcPct val="150000"/>
+              </a:lnSpc>
+            </a:pPr>
+            <a:r>
+              <a:rPr lang="en-US" dirty="0"/>
+              <a:t>Found that user data only reflects users who created accounts from October 13, 2020 - November 6, 2020.</a:t>
+            </a:r>
+          </a:p>
+          <a:p>
+            <a:pPr lvl="1">
+              <a:lnSpc>
+                <a:spcPct val="150000"/>
+              </a:lnSpc>
+            </a:pPr>
+            <a:r>
+              <a:rPr lang="en-US" dirty="0"/>
+              <a:t>53% of orders in the data are made by these ‘new users’</a:t>
+            </a:r>
+          </a:p>
+          <a:p>
+            <a:pPr>
+              <a:lnSpc>
+                <a:spcPct val="150000"/>
+              </a:lnSpc>
+            </a:pPr>
+            <a:r>
+              <a:rPr lang="en-US" dirty="0"/>
+              <a:t>New users demonstrate unique behaviors when compared to existing users.</a:t>
+            </a:r>
+          </a:p>
+          <a:p>
+            <a:pPr lvl="1">
+              <a:lnSpc>
+                <a:spcPct val="150000"/>
+              </a:lnSpc>
+            </a:pPr>
+            <a:r>
+              <a:rPr lang="en-US" dirty="0"/>
+              <a:t>More likely to be approved.</a:t>
+            </a:r>
+          </a:p>
+          <a:p>
+            <a:pPr lvl="1">
+              <a:lnSpc>
+                <a:spcPct val="150000"/>
+              </a:lnSpc>
+            </a:pPr>
+            <a:r>
+              <a:rPr lang="en-US" dirty="0"/>
+              <a:t>More likely to enter repayment.</a:t>
+            </a:r>
+          </a:p>
+        </p:txBody>
+      </p:sp>
+    </p:spTree>
+    <p:extLst>
+      <p:ext uri="{BB962C8B-B14F-4D97-AF65-F5344CB8AC3E}">
+        <p14:creationId xmlns:p14="http://schemas.microsoft.com/office/powerpoint/2010/main" val="2062479195"/>
+      </p:ext>
+    </p:extLst>
+  </p:cSld>
+  <p:clrMapOvr>
+    <a:masterClrMapping/>
+  </p:clrMapOvr>
+</p:sld>
+</file>
+
+<file path=ppt/slides/slide4.xml><?xml version="1.0" encoding="utf-8"?>
+<p:sld xmlns:a="http://schemas.openxmlformats.org/drawingml/2006/main" xmlns:r="http://schemas.openxmlformats.org/officeDocument/2006/relationships" xmlns:p="http://schemas.openxmlformats.org/presentationml/2006/main">
+  <p:cSld>
+    <p:spTree>
+      <p:nvGrpSpPr>
+        <p:cNvPr id="1" name=""/>
+        <p:cNvGrpSpPr/>
+        <p:nvPr/>
+      </p:nvGrpSpPr>
+      <p:grpSpPr>
+        <a:xfrm>
+          <a:off x="0" y="0"/>
+          <a:ext cx="0" cy="0"/>
+          <a:chOff x="0" y="0"/>
+          <a:chExt cx="0" cy="0"/>
+        </a:xfrm>
+      </p:grpSpPr>
+      <p:sp>
+        <p:nvSpPr>
+          <p:cNvPr id="2" name="Title 1">
+            <a:extLst>
+              <a:ext uri="{FF2B5EF4-FFF2-40B4-BE49-F238E27FC236}">
+                <a16:creationId xmlns:a16="http://schemas.microsoft.com/office/drawing/2014/main" id="{138E69E4-F4AA-B469-723D-8DD175CD6DAD}"/>
+              </a:ext>
+            </a:extLst>
+          </p:cNvPr>
+          <p:cNvSpPr>
+            <a:spLocks noGrp="1"/>
+          </p:cNvSpPr>
+          <p:nvPr>
+            <p:ph type="title"/>
+          </p:nvPr>
+        </p:nvSpPr>
+        <p:spPr/>
+        <p:txBody>
+          <a:bodyPr>
+            <a:normAutofit/>
+          </a:bodyPr>
+          <a:lstStyle/>
+          <a:p>
+            <a:r>
+              <a:rPr lang="en-US" sz="3600" dirty="0"/>
+              <a:t>Data – Summary of Statistics: Application Amounts</a:t>
+            </a:r>
+          </a:p>
+        </p:txBody>
+      </p:sp>
+      <p:sp>
+        <p:nvSpPr>
+          <p:cNvPr id="3" name="Content Placeholder 2">
+            <a:extLst>
+              <a:ext uri="{FF2B5EF4-FFF2-40B4-BE49-F238E27FC236}">
+                <a16:creationId xmlns:a16="http://schemas.microsoft.com/office/drawing/2014/main" id="{BEB81137-18A0-685F-2B77-7DEA5F3AA91C}"/>
+              </a:ext>
+            </a:extLst>
+          </p:cNvPr>
+          <p:cNvSpPr>
+            <a:spLocks noGrp="1"/>
+          </p:cNvSpPr>
+          <p:nvPr>
+            <p:ph idx="1"/>
+          </p:nvPr>
+        </p:nvSpPr>
+        <p:spPr/>
+        <p:txBody>
+          <a:bodyPr>
+            <a:normAutofit/>
+          </a:bodyPr>
+          <a:lstStyle/>
+          <a:p>
+            <a:r>
+              <a:rPr lang="en-US" dirty="0"/>
+              <a:t>Application Average Amounts</a:t>
+            </a:r>
+          </a:p>
+          <a:p>
+            <a:pPr lvl="1"/>
+            <a:r>
+              <a:rPr lang="en-US" dirty="0"/>
+              <a:t>Existing: $645</a:t>
+            </a:r>
+          </a:p>
+          <a:p>
+            <a:pPr lvl="1"/>
+            <a:r>
+              <a:rPr lang="en-US" dirty="0"/>
+              <a:t>New: $634</a:t>
+            </a:r>
+          </a:p>
+          <a:p>
+            <a:pPr marL="457200" lvl="1" indent="0">
+              <a:buNone/>
+            </a:pPr>
+            <a:endParaRPr lang="en-US" dirty="0"/>
+          </a:p>
+        </p:txBody>
+      </p:sp>
+      <p:pic>
+        <p:nvPicPr>
+          <p:cNvPr id="5" name="Picture 4" descr="A graph of a violin and a violin&#10;&#10;AI-generated content may be incorrect.">
+            <a:extLst>
+              <a:ext uri="{FF2B5EF4-FFF2-40B4-BE49-F238E27FC236}">
+                <a16:creationId xmlns:a16="http://schemas.microsoft.com/office/drawing/2014/main" id="{E6F85CDD-9AB9-989B-454C-0B458A36BF1C}"/>
+              </a:ext>
+            </a:extLst>
+          </p:cNvPr>
+          <p:cNvPicPr>
+            <a:picLocks noChangeAspect="1"/>
+          </p:cNvPicPr>
+          <p:nvPr/>
+        </p:nvPicPr>
+        <p:blipFill>
+          <a:blip r:embed="rId2"/>
+          <a:stretch>
+            <a:fillRect/>
+          </a:stretch>
+        </p:blipFill>
+        <p:spPr>
+          <a:xfrm>
+            <a:off x="838200" y="3055335"/>
+            <a:ext cx="8664794" cy="2888265"/>
+          </a:xfrm>
+          <a:prstGeom prst="rect">
+            <a:avLst/>
+          </a:prstGeom>
+        </p:spPr>
+      </p:pic>
+    </p:spTree>
+    <p:extLst>
+      <p:ext uri="{BB962C8B-B14F-4D97-AF65-F5344CB8AC3E}">
+        <p14:creationId xmlns:p14="http://schemas.microsoft.com/office/powerpoint/2010/main" val="1445637664"/>
+      </p:ext>
+    </p:extLst>
+  </p:cSld>
+  <p:clrMapOvr>
+    <a:masterClrMapping/>
+  </p:clrMapOvr>
+</p:sld>
+</file>
+
+<file path=ppt/slides/slide5.xml><?xml version="1.0" encoding="utf-8"?>
+<p:sld xmlns:a="http://schemas.openxmlformats.org/drawingml/2006/main" xmlns:r="http://schemas.openxmlformats.org/officeDocument/2006/relationships" xmlns:p="http://schemas.openxmlformats.org/presentationml/2006/main">
+  <p:cSld>
+    <p:spTree>
+      <p:nvGrpSpPr>
+        <p:cNvPr id="1" name=""/>
+        <p:cNvGrpSpPr/>
+        <p:nvPr/>
+      </p:nvGrpSpPr>
+      <p:grpSpPr>
+        <a:xfrm>
+          <a:off x="0" y="0"/>
+          <a:ext cx="0" cy="0"/>
+          <a:chOff x="0" y="0"/>
+          <a:chExt cx="0" cy="0"/>
+        </a:xfrm>
+      </p:grpSpPr>
+      <p:sp>
+        <p:nvSpPr>
+          <p:cNvPr id="2" name="Title 1">
+            <a:extLst>
+              <a:ext uri="{FF2B5EF4-FFF2-40B4-BE49-F238E27FC236}">
+                <a16:creationId xmlns:a16="http://schemas.microsoft.com/office/drawing/2014/main" id="{ACD0C534-4A0F-C361-456D-4598001594F0}"/>
+              </a:ext>
+            </a:extLst>
+          </p:cNvPr>
+          <p:cNvSpPr>
+            <a:spLocks noGrp="1"/>
+          </p:cNvSpPr>
+          <p:nvPr>
+            <p:ph type="title"/>
+          </p:nvPr>
+        </p:nvSpPr>
+        <p:spPr/>
+        <p:txBody>
+          <a:bodyPr>
+            <a:normAutofit/>
+          </a:bodyPr>
+          <a:lstStyle/>
+          <a:p>
+            <a:r>
+              <a:rPr lang="en-US" sz="4000" dirty="0"/>
+              <a:t>Data – Summary of Statistics: Converted Amounts</a:t>
+            </a:r>
+          </a:p>
+        </p:txBody>
+      </p:sp>
+      <p:sp>
+        <p:nvSpPr>
+          <p:cNvPr id="3" name="Content Placeholder 2">
+            <a:extLst>
+              <a:ext uri="{FF2B5EF4-FFF2-40B4-BE49-F238E27FC236}">
+                <a16:creationId xmlns:a16="http://schemas.microsoft.com/office/drawing/2014/main" id="{E9C65483-D726-20F1-8635-C800A4E5AB7B}"/>
+              </a:ext>
+            </a:extLst>
+          </p:cNvPr>
+          <p:cNvSpPr>
+            <a:spLocks noGrp="1"/>
+          </p:cNvSpPr>
+          <p:nvPr>
+            <p:ph idx="1"/>
+          </p:nvPr>
+        </p:nvSpPr>
+        <p:spPr/>
+        <p:txBody>
+          <a:bodyPr/>
+          <a:lstStyle/>
+          <a:p>
+            <a:r>
+              <a:rPr lang="en-US" dirty="0"/>
+              <a:t>Converted Average Amounts</a:t>
+            </a:r>
+          </a:p>
+          <a:p>
+            <a:pPr lvl="1"/>
+            <a:r>
+              <a:rPr lang="en-US" dirty="0"/>
+              <a:t>$555</a:t>
+            </a:r>
+          </a:p>
+          <a:p>
+            <a:pPr lvl="1"/>
+            <a:r>
+              <a:rPr lang="en-US" dirty="0"/>
+              <a:t>$538</a:t>
+            </a:r>
+          </a:p>
+          <a:p>
+            <a:pPr marL="0" indent="0">
+              <a:buNone/>
+            </a:pPr>
+            <a:endParaRPr lang="en-US" dirty="0"/>
+          </a:p>
+        </p:txBody>
+      </p:sp>
+      <p:pic>
+        <p:nvPicPr>
+          <p:cNvPr id="5" name="Picture 4" descr="A graph of a violin plot&#10;&#10;AI-generated content may be incorrect.">
+            <a:extLst>
+              <a:ext uri="{FF2B5EF4-FFF2-40B4-BE49-F238E27FC236}">
+                <a16:creationId xmlns:a16="http://schemas.microsoft.com/office/drawing/2014/main" id="{8A827408-29E6-2231-0366-79752E8A413A}"/>
+              </a:ext>
+            </a:extLst>
+          </p:cNvPr>
+          <p:cNvPicPr>
+            <a:picLocks noChangeAspect="1"/>
+          </p:cNvPicPr>
+          <p:nvPr/>
+        </p:nvPicPr>
+        <p:blipFill>
+          <a:blip r:embed="rId3"/>
+          <a:stretch>
+            <a:fillRect/>
+          </a:stretch>
+        </p:blipFill>
+        <p:spPr>
+          <a:xfrm>
+            <a:off x="838200" y="3148206"/>
+            <a:ext cx="7772400" cy="2590800"/>
+          </a:xfrm>
+          <a:prstGeom prst="rect">
+            <a:avLst/>
+          </a:prstGeom>
+        </p:spPr>
+      </p:pic>
+    </p:spTree>
+    <p:extLst>
+      <p:ext uri="{BB962C8B-B14F-4D97-AF65-F5344CB8AC3E}">
+        <p14:creationId xmlns:p14="http://schemas.microsoft.com/office/powerpoint/2010/main" val="3741635815"/>
+      </p:ext>
+    </p:extLst>
+  </p:cSld>
+  <p:clrMapOvr>
+    <a:masterClrMapping/>
+  </p:clrMapOvr>
+</p:sld>
+</file>
+
+<file path=ppt/slides/slide6.xml><?xml version="1.0" encoding="utf-8"?>
+<p:sld xmlns:a="http://schemas.openxmlformats.org/drawingml/2006/main" xmlns:r="http://schemas.openxmlformats.org/officeDocument/2006/relationships" xmlns:p="http://schemas.openxmlformats.org/presentationml/2006/main">
+  <p:cSld>
+    <p:spTree>
+      <p:nvGrpSpPr>
+        <p:cNvPr id="1" name=""/>
+        <p:cNvGrpSpPr/>
+        <p:nvPr/>
+      </p:nvGrpSpPr>
+      <p:grpSpPr>
+        <a:xfrm>
+          <a:off x="0" y="0"/>
+          <a:ext cx="0" cy="0"/>
+          <a:chOff x="0" y="0"/>
+          <a:chExt cx="0" cy="0"/>
+        </a:xfrm>
+      </p:grpSpPr>
+      <p:sp>
+        <p:nvSpPr>
+          <p:cNvPr id="2" name="Title 1">
+            <a:extLst>
+              <a:ext uri="{FF2B5EF4-FFF2-40B4-BE49-F238E27FC236}">
+                <a16:creationId xmlns:a16="http://schemas.microsoft.com/office/drawing/2014/main" id="{2C54D2A9-6650-D5C2-1533-90A923F014E1}"/>
+              </a:ext>
+            </a:extLst>
+          </p:cNvPr>
+          <p:cNvSpPr>
+            <a:spLocks noGrp="1"/>
+          </p:cNvSpPr>
+          <p:nvPr>
+            <p:ph type="title"/>
+          </p:nvPr>
+        </p:nvSpPr>
+        <p:spPr/>
+        <p:txBody>
+          <a:bodyPr/>
+          <a:lstStyle/>
+          <a:p>
+            <a:r>
+              <a:rPr lang="en-US" sz="4400" dirty="0"/>
+              <a:t>Data – Summary of Statistics: Repayment</a:t>
+            </a:r>
+            <a:endParaRPr lang="en-US" dirty="0"/>
+          </a:p>
+        </p:txBody>
+      </p:sp>
+      <p:sp>
+        <p:nvSpPr>
+          <p:cNvPr id="3" name="Content Placeholder 2">
+            <a:extLst>
+              <a:ext uri="{FF2B5EF4-FFF2-40B4-BE49-F238E27FC236}">
+                <a16:creationId xmlns:a16="http://schemas.microsoft.com/office/drawing/2014/main" id="{7317249C-A090-E22E-8E05-5CD21AC83F93}"/>
+              </a:ext>
+            </a:extLst>
+          </p:cNvPr>
+          <p:cNvSpPr>
+            <a:spLocks noGrp="1"/>
+          </p:cNvSpPr>
+          <p:nvPr>
+            <p:ph idx="1"/>
+          </p:nvPr>
+        </p:nvSpPr>
+        <p:spPr/>
+        <p:txBody>
+          <a:bodyPr/>
+          <a:lstStyle/>
+          <a:p>
+            <a:r>
+              <a:rPr lang="en-US" dirty="0"/>
+              <a:t>Time to Repayment</a:t>
+            </a:r>
+          </a:p>
+          <a:p>
+            <a:pPr lvl="1"/>
+            <a:r>
+              <a:rPr lang="en-US" dirty="0"/>
+              <a:t>Median: 12 days</a:t>
+            </a:r>
+          </a:p>
+          <a:p>
+            <a:pPr lvl="1"/>
+            <a:r>
+              <a:rPr lang="en-US" dirty="0"/>
+              <a:t>Average: 15 days</a:t>
+            </a:r>
+          </a:p>
+          <a:p>
+            <a:endParaRPr lang="en-US" dirty="0"/>
+          </a:p>
+        </p:txBody>
+      </p:sp>
+      <p:pic>
+        <p:nvPicPr>
+          <p:cNvPr id="5" name="Picture 4" descr="A graph of a function&#10;&#10;AI-generated content may be incorrect.">
+            <a:extLst>
+              <a:ext uri="{FF2B5EF4-FFF2-40B4-BE49-F238E27FC236}">
+                <a16:creationId xmlns:a16="http://schemas.microsoft.com/office/drawing/2014/main" id="{017AFA63-5789-3C1E-F3C9-91C2225D8ED8}"/>
+              </a:ext>
+            </a:extLst>
+          </p:cNvPr>
+          <p:cNvPicPr>
+            <a:picLocks noChangeAspect="1"/>
+          </p:cNvPicPr>
+          <p:nvPr/>
+        </p:nvPicPr>
+        <p:blipFill>
+          <a:blip r:embed="rId2"/>
+          <a:stretch>
+            <a:fillRect/>
+          </a:stretch>
+        </p:blipFill>
+        <p:spPr>
+          <a:xfrm>
+            <a:off x="1391227" y="3040448"/>
+            <a:ext cx="9409545" cy="3136515"/>
+          </a:xfrm>
+          <a:prstGeom prst="rect">
+            <a:avLst/>
+          </a:prstGeom>
+        </p:spPr>
+      </p:pic>
+    </p:spTree>
+    <p:extLst>
+      <p:ext uri="{BB962C8B-B14F-4D97-AF65-F5344CB8AC3E}">
+        <p14:creationId xmlns:p14="http://schemas.microsoft.com/office/powerpoint/2010/main" val="1105013369"/>
+      </p:ext>
+    </p:extLst>
+  </p:cSld>
+  <p:clrMapOvr>
+    <a:masterClrMapping/>
+  </p:clrMapOvr>
+</p:sld>
+</file>
+
+<file path=ppt/slides/slide7.xml><?xml version="1.0" encoding="utf-8"?>
+<p:sld xmlns:a="http://schemas.openxmlformats.org/drawingml/2006/main" xmlns:r="http://schemas.openxmlformats.org/officeDocument/2006/relationships" xmlns:p="http://schemas.openxmlformats.org/presentationml/2006/main">
+  <p:cSld>
+    <p:spTree>
+      <p:nvGrpSpPr>
+        <p:cNvPr id="1" name=""/>
+        <p:cNvGrpSpPr/>
+        <p:nvPr/>
+      </p:nvGrpSpPr>
+      <p:grpSpPr>
+        <a:xfrm>
+          <a:off x="0" y="0"/>
+          <a:ext cx="0" cy="0"/>
+          <a:chOff x="0" y="0"/>
+          <a:chExt cx="0" cy="0"/>
+        </a:xfrm>
+      </p:grpSpPr>
+      <p:sp>
+        <p:nvSpPr>
+          <p:cNvPr id="2" name="Title 1">
+            <a:extLst>
+              <a:ext uri="{FF2B5EF4-FFF2-40B4-BE49-F238E27FC236}">
+                <a16:creationId xmlns:a16="http://schemas.microsoft.com/office/drawing/2014/main" id="{05E7FD26-A126-8534-6C78-756C98FDD433}"/>
+              </a:ext>
+            </a:extLst>
+          </p:cNvPr>
+          <p:cNvSpPr>
+            <a:spLocks noGrp="1"/>
+          </p:cNvSpPr>
+          <p:nvPr>
+            <p:ph type="title"/>
+          </p:nvPr>
+        </p:nvSpPr>
+        <p:spPr/>
+        <p:txBody>
+          <a:bodyPr/>
+          <a:lstStyle/>
+          <a:p>
+            <a:r>
+              <a:rPr lang="en-US" dirty="0"/>
+              <a:t>Data – Funnel Sankey</a:t>
+            </a:r>
+          </a:p>
+        </p:txBody>
+      </p:sp>
+      <p:pic>
+        <p:nvPicPr>
+          <p:cNvPr id="5" name="Content Placeholder 4">
+            <a:extLst>
+              <a:ext uri="{FF2B5EF4-FFF2-40B4-BE49-F238E27FC236}">
+                <a16:creationId xmlns:a16="http://schemas.microsoft.com/office/drawing/2014/main" id="{0675809B-A80E-D55A-24B5-E8D3C9263634}"/>
+              </a:ext>
+            </a:extLst>
+          </p:cNvPr>
+          <p:cNvPicPr>
+            <a:picLocks noGrp="1" noChangeAspect="1"/>
+          </p:cNvPicPr>
+          <p:nvPr>
+            <p:ph idx="1"/>
+          </p:nvPr>
+        </p:nvPicPr>
+        <p:blipFill>
+          <a:blip r:embed="rId2"/>
+          <a:stretch>
+            <a:fillRect/>
+          </a:stretch>
+        </p:blipFill>
+        <p:spPr>
+          <a:xfrm>
+            <a:off x="0" y="1253330"/>
+            <a:ext cx="5604670" cy="5604670"/>
+          </a:xfrm>
+        </p:spPr>
+      </p:pic>
+    </p:spTree>
+    <p:extLst>
+      <p:ext uri="{BB962C8B-B14F-4D97-AF65-F5344CB8AC3E}">
+        <p14:creationId xmlns:p14="http://schemas.microsoft.com/office/powerpoint/2010/main" val="3494167697"/>
+      </p:ext>
+    </p:extLst>
+  </p:cSld>
+  <p:clrMapOvr>
+    <a:masterClrMapping/>
+  </p:clrMapOvr>
+</p:sld>
+</file>
+
+<file path=ppt/slides/slide8.xml><?xml version="1.0" encoding="utf-8"?>
+<p:sld xmlns:a="http://schemas.openxmlformats.org/drawingml/2006/main" xmlns:r="http://schemas.openxmlformats.org/officeDocument/2006/relationships" xmlns:p="http://schemas.openxmlformats.org/presentationml/2006/main">
+  <p:cSld>
+    <p:spTree>
+      <p:nvGrpSpPr>
+        <p:cNvPr id="1" name=""/>
+        <p:cNvGrpSpPr/>
+        <p:nvPr/>
+      </p:nvGrpSpPr>
+      <p:grpSpPr>
+        <a:xfrm>
+          <a:off x="0" y="0"/>
+          <a:ext cx="0" cy="0"/>
+          <a:chOff x="0" y="0"/>
+          <a:chExt cx="0" cy="0"/>
+        </a:xfrm>
+      </p:grpSpPr>
+      <p:sp>
+        <p:nvSpPr>
+          <p:cNvPr id="2" name="Title 1">
+            <a:extLst>
+              <a:ext uri="{FF2B5EF4-FFF2-40B4-BE49-F238E27FC236}">
+                <a16:creationId xmlns:a16="http://schemas.microsoft.com/office/drawing/2014/main" id="{D764D05F-DCA4-B176-840E-9BB86584821C}"/>
+              </a:ext>
+            </a:extLst>
+          </p:cNvPr>
+          <p:cNvSpPr>
+            <a:spLocks noGrp="1"/>
+          </p:cNvSpPr>
+          <p:nvPr>
+            <p:ph type="title"/>
+          </p:nvPr>
+        </p:nvSpPr>
+        <p:spPr/>
+        <p:txBody>
+          <a:bodyPr/>
+          <a:lstStyle/>
+          <a:p>
+            <a:r>
+              <a:rPr lang="en-US" dirty="0"/>
+              <a:t>Funnel Improvement – Methodology</a:t>
+            </a:r>
+          </a:p>
+        </p:txBody>
+      </p:sp>
+      <p:sp>
+        <p:nvSpPr>
+          <p:cNvPr id="3" name="Content Placeholder 2">
+            <a:extLst>
+              <a:ext uri="{FF2B5EF4-FFF2-40B4-BE49-F238E27FC236}">
+                <a16:creationId xmlns:a16="http://schemas.microsoft.com/office/drawing/2014/main" id="{7E08DBEF-6BD3-413A-B24D-421A7F167DA9}"/>
+              </a:ext>
+            </a:extLst>
+          </p:cNvPr>
+          <p:cNvSpPr>
+            <a:spLocks noGrp="1"/>
+          </p:cNvSpPr>
+          <p:nvPr>
+            <p:ph idx="1"/>
+          </p:nvPr>
+        </p:nvSpPr>
+        <p:spPr/>
+        <p:txBody>
+          <a:bodyPr/>
+          <a:lstStyle/>
+          <a:p>
+            <a:r>
+              <a:rPr lang="en-US" dirty="0"/>
+              <a:t>Approval Process is not able to be changed. A relaxation of underwriting criteria are not within the scope of this project and would likely lead to higher conversion but lower profitability.</a:t>
+            </a:r>
+          </a:p>
+          <a:p>
+            <a:r>
+              <a:rPr lang="en-US" dirty="0"/>
+              <a:t>We can address Application, and Deposit Setup processes</a:t>
+            </a:r>
+          </a:p>
+          <a:p>
+            <a:r>
+              <a:rPr lang="en-US" dirty="0"/>
+              <a:t>The rate of progressing through a step indicates pain points</a:t>
+            </a:r>
+          </a:p>
+          <a:p>
+            <a:r>
+              <a:rPr lang="en-US" dirty="0"/>
+              <a:t>Differences between user groups can indicate directional funnel improvements</a:t>
+            </a:r>
+          </a:p>
+        </p:txBody>
+      </p:sp>
+    </p:spTree>
+    <p:extLst>
+      <p:ext uri="{BB962C8B-B14F-4D97-AF65-F5344CB8AC3E}">
+        <p14:creationId xmlns:p14="http://schemas.microsoft.com/office/powerpoint/2010/main" val="3900733256"/>
+      </p:ext>
+    </p:extLst>
+  </p:cSld>
+  <p:clrMapOvr>
+    <a:masterClrMapping/>
+  </p:clrMapOvr>
+</p:sld>
+</file>
+
+<file path=ppt/slides/slide9.xml><?xml version="1.0" encoding="utf-8"?>
+<p:sld xmlns:a="http://schemas.openxmlformats.org/drawingml/2006/main" xmlns:r="http://schemas.openxmlformats.org/officeDocument/2006/relationships" xmlns:p="http://schemas.openxmlformats.org/presentationml/2006/main">
+  <p:cSld>
+    <p:spTree>
+      <p:nvGrpSpPr>
+        <p:cNvPr id="1" name=""/>
+        <p:cNvGrpSpPr/>
+        <p:nvPr/>
+      </p:nvGrpSpPr>
+      <p:grpSpPr>
+        <a:xfrm>
+          <a:off x="0" y="0"/>
+          <a:ext cx="0" cy="0"/>
+          <a:chOff x="0" y="0"/>
+          <a:chExt cx="0" cy="0"/>
+        </a:xfrm>
+      </p:grpSpPr>
+      <p:sp>
+        <p:nvSpPr>
+          <p:cNvPr id="2" name="Title 1">
+            <a:extLst>
+              <a:ext uri="{FF2B5EF4-FFF2-40B4-BE49-F238E27FC236}">
+                <a16:creationId xmlns:a16="http://schemas.microsoft.com/office/drawing/2014/main" id="{4D664973-4753-85ED-0EC4-9FCE24A104F3}"/>
+              </a:ext>
+            </a:extLst>
+          </p:cNvPr>
+          <p:cNvSpPr>
+            <a:spLocks noGrp="1"/>
+          </p:cNvSpPr>
+          <p:nvPr>
+            <p:ph type="title"/>
+          </p:nvPr>
+        </p:nvSpPr>
+        <p:spPr/>
+        <p:txBody>
+          <a:bodyPr/>
+          <a:lstStyle/>
+          <a:p>
+            <a:r>
+              <a:rPr lang="en-US" dirty="0"/>
+              <a:t>Insights – Funnel Progression</a:t>
+            </a:r>
+          </a:p>
+        </p:txBody>
+      </p:sp>
+      <p:pic>
+        <p:nvPicPr>
+          <p:cNvPr id="5" name="Content Placeholder 4" descr="A graph with blue rectangular bars&#10;&#10;AI-generated content may be incorrect.">
+            <a:extLst>
+              <a:ext uri="{FF2B5EF4-FFF2-40B4-BE49-F238E27FC236}">
+                <a16:creationId xmlns:a16="http://schemas.microsoft.com/office/drawing/2014/main" id="{8D6A1A52-61A1-22CA-6C40-1D6960D04ECC}"/>
+              </a:ext>
+            </a:extLst>
+          </p:cNvPr>
+          <p:cNvPicPr>
+            <a:picLocks noGrp="1" noChangeAspect="1"/>
+          </p:cNvPicPr>
+          <p:nvPr>
+            <p:ph idx="1"/>
+          </p:nvPr>
+        </p:nvPicPr>
+        <p:blipFill>
+          <a:blip r:embed="rId2"/>
+          <a:stretch>
+            <a:fillRect/>
+          </a:stretch>
+        </p:blipFill>
+        <p:spPr>
+          <a:xfrm>
+            <a:off x="0" y="1401611"/>
+            <a:ext cx="8043655" cy="4826193"/>
+          </a:xfrm>
+        </p:spPr>
+      </p:pic>
+      <p:sp>
+        <p:nvSpPr>
+          <p:cNvPr id="7" name="TextBox 6">
+            <a:extLst>
+              <a:ext uri="{FF2B5EF4-FFF2-40B4-BE49-F238E27FC236}">
+                <a16:creationId xmlns:a16="http://schemas.microsoft.com/office/drawing/2014/main" id="{249CCBCE-F1DD-60D1-47AE-A93214DEA58D}"/>
+              </a:ext>
+            </a:extLst>
+          </p:cNvPr>
+          <p:cNvSpPr txBox="1"/>
+          <p:nvPr/>
+        </p:nvSpPr>
+        <p:spPr>
+          <a:xfrm>
+            <a:off x="8600302" y="2937544"/>
+            <a:ext cx="3113903" cy="1754326"/>
+          </a:xfrm>
+          <a:prstGeom prst="rect">
+            <a:avLst/>
+          </a:prstGeom>
+          <a:noFill/>
+        </p:spPr>
+        <p:txBody>
+          <a:bodyPr wrap="square" rtlCol="0">
+            <a:spAutoFit/>
+          </a:bodyPr>
+          <a:lstStyle/>
+          <a:p>
+            <a:pPr marL="285750" indent="-285750">
+              <a:buFont typeface="Arial" panose="020B0604020202020204" pitchFamily="34" charset="0"/>
+              <a:buChar char="•"/>
+            </a:pPr>
+            <a:r>
+              <a:rPr lang="en-US" dirty="0"/>
+              <a:t>Largest loss is after approval moving into repayment. </a:t>
+            </a:r>
+          </a:p>
+          <a:p>
+            <a:pPr marL="285750" indent="-285750">
+              <a:buFont typeface="Arial" panose="020B0604020202020204" pitchFamily="34" charset="0"/>
+              <a:buChar char="•"/>
+            </a:pPr>
+            <a:r>
+              <a:rPr lang="en-US" dirty="0"/>
+              <a:t>Greater than 90% of approved applications do not setup a deposit</a:t>
+            </a:r>
+          </a:p>
+        </p:txBody>
+      </p:sp>
+    </p:spTree>
+    <p:extLst>
+      <p:ext uri="{BB962C8B-B14F-4D97-AF65-F5344CB8AC3E}">
+        <p14:creationId xmlns:p14="http://schemas.microsoft.com/office/powerpoint/2010/main" val="2127758136"/>
       </p:ext>
     </p:extLst>
   </p:cSld>
@@ -3703,4 +6279,319 @@
     </a:ext>
   </a:extLst>
 </a:theme>
+</file>
+
+<file path=ppt/theme/theme2.xml><?xml version="1.0" encoding="utf-8"?>
+<a:theme xmlns:a="http://schemas.openxmlformats.org/drawingml/2006/main" name="Office Theme">
+  <a:themeElements>
+    <a:clrScheme name="Office">
+      <a:dk1>
+        <a:sysClr val="windowText" lastClr="000000"/>
+      </a:dk1>
+      <a:lt1>
+        <a:sysClr val="window" lastClr="FFFFFF"/>
+      </a:lt1>
+      <a:dk2>
+        <a:srgbClr val="0E2841"/>
+      </a:dk2>
+      <a:lt2>
+        <a:srgbClr val="E8E8E8"/>
+      </a:lt2>
+      <a:accent1>
+        <a:srgbClr val="156082"/>
+      </a:accent1>
+      <a:accent2>
+        <a:srgbClr val="E97132"/>
+      </a:accent2>
+      <a:accent3>
+        <a:srgbClr val="196B24"/>
+      </a:accent3>
+      <a:accent4>
+        <a:srgbClr val="0F9ED5"/>
+      </a:accent4>
+      <a:accent5>
+        <a:srgbClr val="A02B93"/>
+      </a:accent5>
+      <a:accent6>
+        <a:srgbClr val="4EA72E"/>
+      </a:accent6>
+      <a:hlink>
+        <a:srgbClr val="467886"/>
+      </a:hlink>
+      <a:folHlink>
+        <a:srgbClr val="96607D"/>
+      </a:folHlink>
+    </a:clrScheme>
+    <a:fontScheme name="Office">
+      <a:majorFont>
+        <a:latin typeface="Aptos Display" panose="02110004020202020204"/>
+        <a:ea typeface=""/>
+        <a:cs typeface=""/>
+        <a:font script="Jpan" typeface="游ゴシック Light"/>
+        <a:font script="Hang" typeface="맑은 고딕"/>
+        <a:font script="Hans" typeface="等线 Light"/>
+        <a:font script="Hant" typeface="新細明體"/>
+        <a:font script="Arab" typeface="Times New Roman"/>
+        <a:font script="Hebr" typeface="Times New Roman"/>
+        <a:font script="Thai" typeface="Angsana New"/>
+        <a:font script="Ethi" typeface="Nyala"/>
+        <a:font script="Beng" typeface="Vrinda"/>
+        <a:font script="Gujr" typeface="Shruti"/>
+        <a:font script="Khmr" typeface="MoolBoran"/>
+        <a:font script="Knda" typeface="Tunga"/>
+        <a:font script="Guru" typeface="Raavi"/>
+        <a:font script="Cans" typeface="Euphemia"/>
+        <a:font script="Cher" typeface="Plantagenet Cherokee"/>
+        <a:font script="Yiii" typeface="Microsoft Yi Baiti"/>
+        <a:font script="Tibt" typeface="Microsoft Himalaya"/>
+        <a:font script="Thaa" typeface="MV Boli"/>
+        <a:font script="Deva" typeface="Mangal"/>
+        <a:font script="Telu" typeface="Gautami"/>
+        <a:font script="Taml" typeface="Latha"/>
+        <a:font script="Syrc" typeface="Estrangelo Edessa"/>
+        <a:font script="Orya" typeface="Kalinga"/>
+        <a:font script="Mlym" typeface="Kartika"/>
+        <a:font script="Laoo" typeface="DokChampa"/>
+        <a:font script="Sinh" typeface="Iskoola Pota"/>
+        <a:font script="Mong" typeface="Mongolian Baiti"/>
+        <a:font script="Viet" typeface="Times New Roman"/>
+        <a:font script="Uigh" typeface="Microsoft Uighur"/>
+        <a:font script="Geor" typeface="Sylfaen"/>
+        <a:font script="Armn" typeface="Arial"/>
+        <a:font script="Bugi" typeface="Leelawadee UI"/>
+        <a:font script="Bopo" typeface="Microsoft JhengHei"/>
+        <a:font script="Java" typeface="Javanese Text"/>
+        <a:font script="Lisu" typeface="Segoe UI"/>
+        <a:font script="Mymr" typeface="Myanmar Text"/>
+        <a:font script="Nkoo" typeface="Ebrima"/>
+        <a:font script="Olck" typeface="Nirmala UI"/>
+        <a:font script="Osma" typeface="Ebrima"/>
+        <a:font script="Phag" typeface="Phagspa"/>
+        <a:font script="Syrn" typeface="Estrangelo Edessa"/>
+        <a:font script="Syrj" typeface="Estrangelo Edessa"/>
+        <a:font script="Syre" typeface="Estrangelo Edessa"/>
+        <a:font script="Sora" typeface="Nirmala UI"/>
+        <a:font script="Tale" typeface="Microsoft Tai Le"/>
+        <a:font script="Talu" typeface="Microsoft New Tai Lue"/>
+        <a:font script="Tfng" typeface="Ebrima"/>
+      </a:majorFont>
+      <a:minorFont>
+        <a:latin typeface="Aptos" panose="02110004020202020204"/>
+        <a:ea typeface=""/>
+        <a:cs typeface=""/>
+        <a:font script="Jpan" typeface="游ゴシック"/>
+        <a:font script="Hang" typeface="맑은 고딕"/>
+        <a:font script="Hans" typeface="等线"/>
+        <a:font script="Hant" typeface="新細明體"/>
+        <a:font script="Arab" typeface="Arial"/>
+        <a:font script="Hebr" typeface="Arial"/>
+        <a:font script="Thai" typeface="Cordia New"/>
+        <a:font script="Ethi" typeface="Nyala"/>
+        <a:font script="Beng" typeface="Vrinda"/>
+        <a:font script="Gujr" typeface="Shruti"/>
+        <a:font script="Khmr" typeface="DaunPenh"/>
+        <a:font script="Knda" typeface="Tunga"/>
+        <a:font script="Guru" typeface="Raavi"/>
+        <a:font script="Cans" typeface="Euphemia"/>
+        <a:font script="Cher" typeface="Plantagenet Cherokee"/>
+        <a:font script="Yiii" typeface="Microsoft Yi Baiti"/>
+        <a:font script="Tibt" typeface="Microsoft Himalaya"/>
+        <a:font script="Thaa" typeface="MV Boli"/>
+        <a:font script="Deva" typeface="Mangal"/>
+        <a:font script="Telu" typeface="Gautami"/>
+        <a:font script="Taml" typeface="Latha"/>
+        <a:font script="Syrc" typeface="Estrangelo Edessa"/>
+        <a:font script="Orya" typeface="Kalinga"/>
+        <a:font script="Mlym" typeface="Kartika"/>
+        <a:font script="Laoo" typeface="DokChampa"/>
+        <a:font script="Sinh" typeface="Iskoola Pota"/>
+        <a:font script="Mong" typeface="Mongolian Baiti"/>
+        <a:font script="Viet" typeface="Arial"/>
+        <a:font script="Uigh" typeface="Microsoft Uighur"/>
+        <a:font script="Geor" typeface="Sylfaen"/>
+        <a:font script="Armn" typeface="Arial"/>
+        <a:font script="Bugi" typeface="Leelawadee UI"/>
+        <a:font script="Bopo" typeface="Microsoft JhengHei"/>
+        <a:font script="Java" typeface="Javanese Text"/>
+        <a:font script="Lisu" typeface="Segoe UI"/>
+        <a:font script="Mymr" typeface="Myanmar Text"/>
+        <a:font script="Nkoo" typeface="Ebrima"/>
+        <a:font script="Olck" typeface="Nirmala UI"/>
+        <a:font script="Osma" typeface="Ebrima"/>
+        <a:font script="Phag" typeface="Phagspa"/>
+        <a:font script="Syrn" typeface="Estrangelo Edessa"/>
+        <a:font script="Syrj" typeface="Estrangelo Edessa"/>
+        <a:font script="Syre" typeface="Estrangelo Edessa"/>
+        <a:font script="Sora" typeface="Nirmala UI"/>
+        <a:font script="Tale" typeface="Microsoft Tai Le"/>
+        <a:font script="Talu" typeface="Microsoft New Tai Lue"/>
+        <a:font script="Tfng" typeface="Ebrima"/>
+      </a:minorFont>
+    </a:fontScheme>
+    <a:fmtScheme name="Office">
+      <a:fillStyleLst>
+        <a:solidFill>
+          <a:schemeClr val="phClr"/>
+        </a:solidFill>
+        <a:gradFill rotWithShape="1">
+          <a:gsLst>
+            <a:gs pos="0">
+              <a:schemeClr val="phClr">
+                <a:lumMod val="110000"/>
+                <a:satMod val="105000"/>
+                <a:tint val="67000"/>
+              </a:schemeClr>
+            </a:gs>
+            <a:gs pos="50000">
+              <a:schemeClr val="phClr">
+                <a:lumMod val="105000"/>
+                <a:satMod val="103000"/>
+                <a:tint val="73000"/>
+              </a:schemeClr>
+            </a:gs>
+            <a:gs pos="100000">
+              <a:schemeClr val="phClr">
+                <a:lumMod val="105000"/>
+                <a:satMod val="109000"/>
+                <a:tint val="81000"/>
+              </a:schemeClr>
+            </a:gs>
+          </a:gsLst>
+          <a:lin ang="5400000" scaled="0"/>
+        </a:gradFill>
+        <a:gradFill rotWithShape="1">
+          <a:gsLst>
+            <a:gs pos="0">
+              <a:schemeClr val="phClr">
+                <a:satMod val="103000"/>
+                <a:lumMod val="102000"/>
+                <a:tint val="94000"/>
+              </a:schemeClr>
+            </a:gs>
+            <a:gs pos="50000">
+              <a:schemeClr val="phClr">
+                <a:satMod val="110000"/>
+                <a:lumMod val="100000"/>
+                <a:shade val="100000"/>
+              </a:schemeClr>
+            </a:gs>
+            <a:gs pos="100000">
+              <a:schemeClr val="phClr">
+                <a:lumMod val="99000"/>
+                <a:satMod val="120000"/>
+                <a:shade val="78000"/>
+              </a:schemeClr>
+            </a:gs>
+          </a:gsLst>
+          <a:lin ang="5400000" scaled="0"/>
+        </a:gradFill>
+      </a:fillStyleLst>
+      <a:lnStyleLst>
+        <a:ln w="12700" cap="flat" cmpd="sng" algn="ctr">
+          <a:solidFill>
+            <a:schemeClr val="phClr"/>
+          </a:solidFill>
+          <a:prstDash val="solid"/>
+          <a:miter lim="800000"/>
+        </a:ln>
+        <a:ln w="19050" cap="flat" cmpd="sng" algn="ctr">
+          <a:solidFill>
+            <a:schemeClr val="phClr"/>
+          </a:solidFill>
+          <a:prstDash val="solid"/>
+          <a:miter lim="800000"/>
+        </a:ln>
+        <a:ln w="25400" cap="flat" cmpd="sng" algn="ctr">
+          <a:solidFill>
+            <a:schemeClr val="phClr"/>
+          </a:solidFill>
+          <a:prstDash val="solid"/>
+          <a:miter lim="800000"/>
+        </a:ln>
+      </a:lnStyleLst>
+      <a:effectStyleLst>
+        <a:effectStyle>
+          <a:effectLst/>
+        </a:effectStyle>
+        <a:effectStyle>
+          <a:effectLst/>
+        </a:effectStyle>
+        <a:effectStyle>
+          <a:effectLst>
+            <a:outerShdw blurRad="57150" dist="19050" dir="5400000" algn="ctr" rotWithShape="0">
+              <a:srgbClr val="000000">
+                <a:alpha val="63000"/>
+              </a:srgbClr>
+            </a:outerShdw>
+          </a:effectLst>
+        </a:effectStyle>
+      </a:effectStyleLst>
+      <a:bgFillStyleLst>
+        <a:solidFill>
+          <a:schemeClr val="phClr"/>
+        </a:solidFill>
+        <a:solidFill>
+          <a:schemeClr val="phClr">
+            <a:tint val="95000"/>
+            <a:satMod val="170000"/>
+          </a:schemeClr>
+        </a:solidFill>
+        <a:gradFill rotWithShape="1">
+          <a:gsLst>
+            <a:gs pos="0">
+              <a:schemeClr val="phClr">
+                <a:tint val="93000"/>
+                <a:satMod val="150000"/>
+                <a:shade val="98000"/>
+                <a:lumMod val="102000"/>
+              </a:schemeClr>
+            </a:gs>
+            <a:gs pos="50000">
+              <a:schemeClr val="phClr">
+                <a:tint val="98000"/>
+                <a:satMod val="130000"/>
+                <a:shade val="90000"/>
+                <a:lumMod val="103000"/>
+              </a:schemeClr>
+            </a:gs>
+            <a:gs pos="100000">
+              <a:schemeClr val="phClr">
+                <a:shade val="63000"/>
+                <a:satMod val="120000"/>
+              </a:schemeClr>
+            </a:gs>
+          </a:gsLst>
+          <a:lin ang="5400000" scaled="0"/>
+        </a:gradFill>
+      </a:bgFillStyleLst>
+    </a:fmtScheme>
+  </a:themeElements>
+  <a:objectDefaults>
+    <a:lnDef>
+      <a:spPr/>
+      <a:bodyPr/>
+      <a:lstStyle/>
+      <a:style>
+        <a:lnRef idx="2">
+          <a:schemeClr val="accent1"/>
+        </a:lnRef>
+        <a:fillRef idx="0">
+          <a:schemeClr val="accent1"/>
+        </a:fillRef>
+        <a:effectRef idx="1">
+          <a:schemeClr val="accent1"/>
+        </a:effectRef>
+        <a:fontRef idx="minor">
+          <a:schemeClr val="tx1"/>
+        </a:fontRef>
+      </a:style>
+    </a:lnDef>
+  </a:objectDefaults>
+  <a:extraClrSchemeLst/>
+  <a:extLst>
+    <a:ext uri="{05A4C25C-085E-4340-85A3-A5531E510DB2}">
+      <thm15:themeFamily xmlns:thm15="http://schemas.microsoft.com/office/thememl/2012/main" name="Office Theme" id="{2E142A2C-CD16-42D6-873A-C26D2A0506FA}" vid="{1BDDFF52-6CD6-40A5-AB3C-68EB2F1E4D0A}"/>
+    </a:ext>
+  </a:extLst>
+</a:theme>
 </file>
--- a/Stewart-final-presentation.pptx
+++ b/Stewart-final-presentation.pptx
@@ -5074,6 +5074,13 @@
               <a:rPr lang="en-US" dirty="0"/>
               <a:t>Questions</a:t>
             </a:r>
+          </a:p>
+          <a:p>
+            <a:r>
+              <a:rPr lang="en-US"/>
+              <a:t>Appendix</a:t>
+            </a:r>
+            <a:endParaRPr lang="en-US" dirty="0"/>
           </a:p>
         </p:txBody>
       </p:sp>
